--- a/工程院五部-P4晋升评审材料-严火荣291814-101教育平台/员工晋升陈述材料.pptx
+++ b/工程院五部-P4晋升评审材料-严火荣291814-101教育平台/员工晋升陈述材料.pptx
@@ -5944,7 +5944,7 @@
                 <a:latin typeface="微软雅黑" panose="020B0503020204020204" pitchFamily="34" charset="-122"/>
                 <a:ea typeface="微软雅黑" panose="020B0503020204020204" pitchFamily="34" charset="-122"/>
               </a:rPr>
-              <a:t>：高级软件工程师</a:t>
+              <a:t>：技术领域高级软件工程师</a:t>
             </a:r>
             <a:endParaRPr lang="en-US" altLang="zh-CN" sz="2000" dirty="0" smtClean="0">
               <a:solidFill>
@@ -14411,7 +14411,7 @@
         </p:nvGraphicFramePr>
         <p:xfrm>
           <a:off x="438150" y="784225"/>
-          <a:ext cx="9274175" cy="5161915"/>
+          <a:ext cx="9274175" cy="4890135"/>
         </p:xfrm>
         <a:graphic>
           <a:graphicData uri="http://schemas.openxmlformats.org/drawingml/2006/table">
@@ -14424,7 +14424,7 @@
                 <a:gridCol w="5551805"/>
                 <a:gridCol w="819150"/>
               </a:tblGrid>
-              <a:tr h="579120">
+              <a:tr h="729615">
                 <a:tc gridSpan="2">
                   <a:txBody>
                     <a:bodyPr/>
@@ -14961,8 +14961,8 @@
                   </a:tcPr>
                 </a:tc>
               </a:tr>
-              <a:tr h="847090">
-                <a:tc rowSpan="4">
+              <a:tr h="2413635">
+                <a:tc rowSpan="3">
                   <a:txBody>
                     <a:bodyPr/>
                     <a:lstStyle/>
@@ -15026,10 +15026,7 @@
                     </a:lnL>
                     <a:lnR w="12700" cap="flat" cmpd="sng" algn="ctr">
                       <a:solidFill>
-                        <a:schemeClr val="tx1">
-                          <a:lumMod val="50000"/>
-                          <a:lumOff val="50000"/>
-                        </a:schemeClr>
+                        <a:schemeClr val="tx1"/>
                       </a:solidFill>
                       <a:prstDash val="solid"/>
                       <a:round/>
@@ -15038,10 +15035,7 @@
                     </a:lnR>
                     <a:lnT w="12700" cap="flat" cmpd="sng" algn="ctr">
                       <a:solidFill>
-                        <a:schemeClr val="tx1">
-                          <a:lumMod val="50000"/>
-                          <a:lumOff val="50000"/>
-                        </a:schemeClr>
+                        <a:schemeClr val="tx1"/>
                       </a:solidFill>
                       <a:prstDash val="solid"/>
                       <a:round/>
@@ -15050,10 +15044,7 @@
                     </a:lnT>
                     <a:lnB w="12700" cap="flat" cmpd="sng" algn="ctr">
                       <a:solidFill>
-                        <a:schemeClr val="tx1">
-                          <a:lumMod val="50000"/>
-                          <a:lumOff val="50000"/>
-                        </a:schemeClr>
+                        <a:schemeClr val="tx1"/>
                       </a:solidFill>
                       <a:prstDash val="solid"/>
                       <a:round/>
@@ -15082,14 +15073,14 @@
                         </a:spcAft>
                       </a:pPr>
                       <a:r>
-                        <a:rPr lang="zh-CN" sz="900" kern="100" dirty="0">
+                        <a:rPr lang="zh-CN" sz="900" kern="100">
                           <a:effectLst/>
                           <a:latin typeface="微软雅黑" panose="020B0503020204020204" pitchFamily="34" charset="-122"/>
                           <a:ea typeface="微软雅黑" panose="020B0503020204020204" pitchFamily="34" charset="-122"/>
                         </a:rPr>
-                        <a:t>需求分析</a:t>
-                      </a:r>
-                      <a:endParaRPr lang="zh-CN" sz="1050" kern="100" dirty="0">
+                        <a:t>软件设计</a:t>
+                      </a:r>
+                      <a:endParaRPr lang="zh-CN" sz="1050" kern="100">
                         <a:effectLst/>
                         <a:latin typeface="微软雅黑" panose="020B0503020204020204" pitchFamily="34" charset="-122"/>
                         <a:ea typeface="微软雅黑" panose="020B0503020204020204" pitchFamily="34" charset="-122"/>
@@ -15145,13 +15136,6 @@
                       <a:headEnd type="none" w="med" len="med"/>
                       <a:tailEnd type="none" w="med" len="med"/>
                     </a:lnB>
-                    <a:lnTlToBr>
-                      <a:noFill/>
-                    </a:lnTlToBr>
-                    <a:lnBlToTr>
-                      <a:noFill/>
-                    </a:lnBlToTr>
-                    <a:noFill/>
                   </a:tcPr>
                 </a:tc>
                 <a:tc>
@@ -15188,7 +15172,7 @@
                           <a:latin typeface="微软雅黑" panose="020B0503020204020204" pitchFamily="34" charset="-122"/>
                           <a:ea typeface="微软雅黑" panose="020B0503020204020204" pitchFamily="34" charset="-122"/>
                         </a:rPr>
-                        <a:t>1</a:t>
+                        <a:t>2</a:t>
                       </a:r>
                       <a:endParaRPr kumimoji="0" lang="en-US" altLang="zh-CN" sz="1200" b="0" i="0" u="none" strike="noStrike" cap="none" normalizeH="0" baseline="0" dirty="0" smtClean="0">
                         <a:ln>
@@ -15284,7 +15268,7 @@
                         <a:buNone/>
                       </a:pPr>
                       <a:r>
-                        <a:rPr lang="zh-CN" altLang="en-US" sz="1200" dirty="0" smtClean="0">
+                        <a:rPr kumimoji="0" lang="en-US" altLang="zh-CN" sz="1200" b="0" i="0" u="none" strike="noStrike" cap="none" normalizeH="0" baseline="0" dirty="0" smtClean="0">
                           <a:ln>
                             <a:noFill/>
                           </a:ln>
@@ -15295,12 +15279,11 @@
                           <a:latin typeface="微软雅黑" panose="020B0503020204020204" pitchFamily="34" charset="-122"/>
                           <a:ea typeface="微软雅黑" panose="020B0503020204020204" pitchFamily="34" charset="-122"/>
                           <a:cs typeface="Times New Roman" panose="02020603050405020304" pitchFamily="18" charset="0"/>
-                          <a:sym typeface="+mn-ea"/>
-                        </a:rPr>
-                        <a:t>根据我的学习对接我的报名需求，服务端采用统一的接口代理，参数采用</a:t>
-                      </a:r>
-                      <a:r>
-                        <a:rPr lang="en-US" altLang="zh-CN" sz="1200" dirty="0" smtClean="0">
+                        </a:rPr>
+                        <a:t>1.</a:t>
+                      </a:r>
+                      <a:r>
+                        <a:rPr kumimoji="0" lang="zh-CN" altLang="en-US" sz="1200" b="0" i="0" u="none" strike="noStrike" cap="none" normalizeH="0" baseline="0" dirty="0" smtClean="0">
                           <a:ln>
                             <a:noFill/>
                           </a:ln>
@@ -15311,12 +15294,11 @@
                           <a:latin typeface="微软雅黑" panose="020B0503020204020204" pitchFamily="34" charset="-122"/>
                           <a:ea typeface="微软雅黑" panose="020B0503020204020204" pitchFamily="34" charset="-122"/>
                           <a:cs typeface="Times New Roman" panose="02020603050405020304" pitchFamily="18" charset="0"/>
-                          <a:sym typeface="+mn-ea"/>
-                        </a:rPr>
-                        <a:t>list&lt;status&gt;</a:t>
-                      </a:r>
-                      <a:r>
-                        <a:rPr lang="zh-CN" altLang="en-US" sz="1200" dirty="0" smtClean="0">
+                        </a:rPr>
+                        <a:t>参与我的学习重构设计，旧的我的学习服务跟别的服务（如培训、公开课、考试等等）之间耦合度高，我的学习中一个接口里面会封装多个接口调用，每次请求我的学习的接口响应时间就异常的久（高达</a:t>
+                      </a:r>
+                      <a:r>
+                        <a:rPr kumimoji="0" lang="en-US" altLang="zh-CN" sz="1200" b="0" i="0" u="none" strike="noStrike" cap="none" normalizeH="0" baseline="0" dirty="0" smtClean="0">
                           <a:ln>
                             <a:noFill/>
                           </a:ln>
@@ -15327,12 +15309,11 @@
                           <a:latin typeface="微软雅黑" panose="020B0503020204020204" pitchFamily="34" charset="-122"/>
                           <a:ea typeface="微软雅黑" panose="020B0503020204020204" pitchFamily="34" charset="-122"/>
                           <a:cs typeface="Times New Roman" panose="02020603050405020304" pitchFamily="18" charset="0"/>
-                          <a:sym typeface="+mn-ea"/>
-                        </a:rPr>
-                        <a:t>的方式，</a:t>
-                      </a:r>
-                      <a:r>
-                        <a:rPr lang="en-US" altLang="zh-CN" sz="1200" dirty="0" smtClean="0">
+                        </a:rPr>
+                        <a:t>7</a:t>
+                      </a:r>
+                      <a:r>
+                        <a:rPr kumimoji="0" lang="zh-CN" altLang="en-US" sz="1200" b="0" i="0" u="none" strike="noStrike" cap="none" normalizeH="0" baseline="0" dirty="0" smtClean="0">
                           <a:ln>
                             <a:noFill/>
                           </a:ln>
@@ -15343,12 +15324,11 @@
                           <a:latin typeface="微软雅黑" panose="020B0503020204020204" pitchFamily="34" charset="-122"/>
                           <a:ea typeface="微软雅黑" panose="020B0503020204020204" pitchFamily="34" charset="-122"/>
                           <a:cs typeface="Times New Roman" panose="02020603050405020304" pitchFamily="18" charset="0"/>
-                          <a:sym typeface="+mn-ea"/>
-                        </a:rPr>
-                        <a:t>gateway</a:t>
-                      </a:r>
-                      <a:r>
-                        <a:rPr lang="zh-CN" altLang="en-US" sz="1200" dirty="0" smtClean="0">
+                        </a:rPr>
+                        <a:t>、</a:t>
+                      </a:r>
+                      <a:r>
+                        <a:rPr kumimoji="0" lang="en-US" altLang="zh-CN" sz="1200" b="0" i="0" u="none" strike="noStrike" cap="none" normalizeH="0" baseline="0" dirty="0" smtClean="0">
                           <a:ln>
                             <a:noFill/>
                           </a:ln>
@@ -15359,12 +15339,11 @@
                           <a:latin typeface="微软雅黑" panose="020B0503020204020204" pitchFamily="34" charset="-122"/>
                           <a:ea typeface="微软雅黑" panose="020B0503020204020204" pitchFamily="34" charset="-122"/>
                           <a:cs typeface="Times New Roman" panose="02020603050405020304" pitchFamily="18" charset="0"/>
-                          <a:sym typeface="+mn-ea"/>
-                        </a:rPr>
-                        <a:t>和</a:t>
-                      </a:r>
-                      <a:r>
-                        <a:rPr lang="en-US" altLang="zh-CN" sz="1200" dirty="0" smtClean="0">
+                        </a:rPr>
+                        <a:t>8s</a:t>
+                      </a:r>
+                      <a:r>
+                        <a:rPr kumimoji="0" lang="zh-CN" altLang="en-US" sz="1200" b="0" i="0" u="none" strike="noStrike" cap="none" normalizeH="0" baseline="0" dirty="0" smtClean="0">
                           <a:ln>
                             <a:noFill/>
                           </a:ln>
@@ -15375,12 +15354,11 @@
                           <a:latin typeface="微软雅黑" panose="020B0503020204020204" pitchFamily="34" charset="-122"/>
                           <a:ea typeface="微软雅黑" panose="020B0503020204020204" pitchFamily="34" charset="-122"/>
                           <a:cs typeface="Times New Roman" panose="02020603050405020304" pitchFamily="18" charset="0"/>
-                          <a:sym typeface="+mn-ea"/>
-                        </a:rPr>
-                        <a:t>webpage</a:t>
-                      </a:r>
-                      <a:r>
-                        <a:rPr lang="zh-CN" altLang="en-US" sz="1200" dirty="0" smtClean="0">
+                        </a:rPr>
+                        <a:t>），导致体验性特别差；通过重构采用</a:t>
+                      </a:r>
+                      <a:r>
+                        <a:rPr kumimoji="0" lang="en-US" altLang="zh-CN" sz="1200" b="0" i="0" u="none" strike="noStrike" cap="none" normalizeH="0" baseline="0" dirty="0" smtClean="0">
                           <a:ln>
                             <a:noFill/>
                           </a:ln>
@@ -15391,12 +15369,11 @@
                           <a:latin typeface="微软雅黑" panose="020B0503020204020204" pitchFamily="34" charset="-122"/>
                           <a:ea typeface="微软雅黑" panose="020B0503020204020204" pitchFamily="34" charset="-122"/>
                           <a:cs typeface="Times New Roman" panose="02020603050405020304" pitchFamily="18" charset="0"/>
-                          <a:sym typeface="+mn-ea"/>
-                        </a:rPr>
-                        <a:t>根据自身需求传参获取各个状态的值，既满足了手机端和</a:t>
-                      </a:r>
-                      <a:r>
-                        <a:rPr lang="en-US" altLang="zh-CN" sz="1200" dirty="0" smtClean="0">
+                        </a:rPr>
+                        <a:t>rabbit MQ</a:t>
+                      </a:r>
+                      <a:r>
+                        <a:rPr kumimoji="0" lang="zh-CN" altLang="en-US" sz="1200" b="0" i="0" u="none" strike="noStrike" cap="none" normalizeH="0" baseline="0" dirty="0" smtClean="0">
                           <a:ln>
                             <a:noFill/>
                           </a:ln>
@@ -15407,12 +15384,11 @@
                           <a:latin typeface="微软雅黑" panose="020B0503020204020204" pitchFamily="34" charset="-122"/>
                           <a:ea typeface="微软雅黑" panose="020B0503020204020204" pitchFamily="34" charset="-122"/>
                           <a:cs typeface="Times New Roman" panose="02020603050405020304" pitchFamily="18" charset="0"/>
-                          <a:sym typeface="+mn-ea"/>
-                        </a:rPr>
-                        <a:t>web</a:t>
-                      </a:r>
-                      <a:r>
-                        <a:rPr lang="zh-CN" altLang="en-US" sz="1200" dirty="0" smtClean="0">
+                        </a:rPr>
+                        <a:t>消息机制，在我的学习采用通用的数据结构本地冗余一份用户学习数据，通过监听业务对象用户学习进度变化更新本地数据，直接查询本地数据库，一条</a:t>
+                      </a:r>
+                      <a:r>
+                        <a:rPr kumimoji="0" lang="en-US" altLang="zh-CN" sz="1200" b="0" i="0" u="none" strike="noStrike" cap="none" normalizeH="0" baseline="0" dirty="0" smtClean="0">
                           <a:ln>
                             <a:noFill/>
                           </a:ln>
@@ -15423,11 +15399,146 @@
                           <a:latin typeface="微软雅黑" panose="020B0503020204020204" pitchFamily="34" charset="-122"/>
                           <a:ea typeface="微软雅黑" panose="020B0503020204020204" pitchFamily="34" charset="-122"/>
                           <a:cs typeface="Times New Roman" panose="02020603050405020304" pitchFamily="18" charset="0"/>
-                          <a:sym typeface="+mn-ea"/>
-                        </a:rPr>
-                        <a:t>端的业务要求，也保证了接口的复用性。</a:t>
-                      </a:r>
-                      <a:endParaRPr kumimoji="0" lang="zh-CN" altLang="zh-CN" sz="1200" b="0" i="0" u="none" strike="noStrike" cap="none" normalizeH="0" baseline="0" dirty="0" smtClean="0">
+                        </a:rPr>
+                        <a:t>select</a:t>
+                      </a:r>
+                      <a:r>
+                        <a:rPr kumimoji="0" lang="zh-CN" altLang="en-US" sz="1200" b="0" i="0" u="none" strike="noStrike" cap="none" normalizeH="0" baseline="0" dirty="0" smtClean="0">
+                          <a:ln>
+                            <a:noFill/>
+                          </a:ln>
+                          <a:solidFill>
+                            <a:srgbClr val="000000"/>
+                          </a:solidFill>
+                          <a:effectLst/>
+                          <a:latin typeface="微软雅黑" panose="020B0503020204020204" pitchFamily="34" charset="-122"/>
+                          <a:ea typeface="微软雅黑" panose="020B0503020204020204" pitchFamily="34" charset="-122"/>
+                          <a:cs typeface="Times New Roman" panose="02020603050405020304" pitchFamily="18" charset="0"/>
+                        </a:rPr>
+                        <a:t>语句，性能直接提升到</a:t>
+                      </a:r>
+                      <a:r>
+                        <a:rPr kumimoji="0" lang="en-US" altLang="zh-CN" sz="1200" b="0" i="0" u="none" strike="noStrike" cap="none" normalizeH="0" baseline="0" dirty="0" smtClean="0">
+                          <a:ln>
+                            <a:noFill/>
+                          </a:ln>
+                          <a:solidFill>
+                            <a:srgbClr val="000000"/>
+                          </a:solidFill>
+                          <a:effectLst/>
+                          <a:latin typeface="微软雅黑" panose="020B0503020204020204" pitchFamily="34" charset="-122"/>
+                          <a:ea typeface="微软雅黑" panose="020B0503020204020204" pitchFamily="34" charset="-122"/>
+                          <a:cs typeface="Times New Roman" panose="02020603050405020304" pitchFamily="18" charset="0"/>
+                        </a:rPr>
+                        <a:t>100ms</a:t>
+                      </a:r>
+                      <a:r>
+                        <a:rPr kumimoji="0" lang="zh-CN" altLang="en-US" sz="1200" b="0" i="0" u="none" strike="noStrike" cap="none" normalizeH="0" baseline="0" dirty="0" smtClean="0">
+                          <a:ln>
+                            <a:noFill/>
+                          </a:ln>
+                          <a:solidFill>
+                            <a:srgbClr val="000000"/>
+                          </a:solidFill>
+                          <a:effectLst/>
+                          <a:latin typeface="微软雅黑" panose="020B0503020204020204" pitchFamily="34" charset="-122"/>
+                          <a:ea typeface="微软雅黑" panose="020B0503020204020204" pitchFamily="34" charset="-122"/>
+                          <a:cs typeface="Times New Roman" panose="02020603050405020304" pitchFamily="18" charset="0"/>
+                        </a:rPr>
+                        <a:t>左右；</a:t>
+                      </a:r>
+                      <a:endParaRPr kumimoji="0" lang="zh-CN" altLang="en-US" sz="1200" b="0" i="0" u="none" strike="noStrike" cap="none" normalizeH="0" baseline="0" dirty="0" smtClean="0">
+                        <a:ln>
+                          <a:noFill/>
+                        </a:ln>
+                        <a:solidFill>
+                          <a:srgbClr val="000000"/>
+                        </a:solidFill>
+                        <a:effectLst/>
+                        <a:latin typeface="微软雅黑" panose="020B0503020204020204" pitchFamily="34" charset="-122"/>
+                        <a:ea typeface="微软雅黑" panose="020B0503020204020204" pitchFamily="34" charset="-122"/>
+                        <a:cs typeface="Times New Roman" panose="02020603050405020304" pitchFamily="18" charset="0"/>
+                      </a:endParaRPr>
+                    </a:p>
+                    <a:p>
+                      <a:pPr marL="0" marR="0" lvl="0" indent="0" algn="l" defTabSz="914400" rtl="0" eaLnBrk="0" fontAlgn="base" latinLnBrk="0" hangingPunct="0">
+                        <a:lnSpc>
+                          <a:spcPct val="120000"/>
+                        </a:lnSpc>
+                        <a:spcBef>
+                          <a:spcPct val="10000"/>
+                        </a:spcBef>
+                        <a:spcAft>
+                          <a:spcPct val="0"/>
+                        </a:spcAft>
+                        <a:buClr>
+                          <a:srgbClr val="3F6985"/>
+                        </a:buClr>
+                        <a:buSzTx/>
+                        <a:buFont typeface="Wingdings" panose="05000000000000000000" pitchFamily="2" charset="2"/>
+                        <a:buNone/>
+                      </a:pPr>
+                      <a:r>
+                        <a:rPr kumimoji="0" lang="en-US" altLang="zh-CN" sz="1200" b="0" i="0" u="none" strike="noStrike" cap="none" normalizeH="0" baseline="0" dirty="0" smtClean="0">
+                          <a:ln>
+                            <a:noFill/>
+                          </a:ln>
+                          <a:solidFill>
+                            <a:srgbClr val="000000"/>
+                          </a:solidFill>
+                          <a:effectLst/>
+                          <a:latin typeface="微软雅黑" panose="020B0503020204020204" pitchFamily="34" charset="-122"/>
+                          <a:ea typeface="微软雅黑" panose="020B0503020204020204" pitchFamily="34" charset="-122"/>
+                          <a:cs typeface="Times New Roman" panose="02020603050405020304" pitchFamily="18" charset="0"/>
+                        </a:rPr>
+                        <a:t>2.</a:t>
+                      </a:r>
+                      <a:r>
+                        <a:rPr kumimoji="0" lang="zh-CN" altLang="en-US" sz="1200" b="0" i="0" u="none" strike="noStrike" cap="none" normalizeH="0" baseline="0" dirty="0" smtClean="0">
+                          <a:ln>
+                            <a:noFill/>
+                          </a:ln>
+                          <a:solidFill>
+                            <a:srgbClr val="000000"/>
+                          </a:solidFill>
+                          <a:effectLst/>
+                          <a:latin typeface="微软雅黑" panose="020B0503020204020204" pitchFamily="34" charset="-122"/>
+                          <a:ea typeface="微软雅黑" panose="020B0503020204020204" pitchFamily="34" charset="-122"/>
+                          <a:cs typeface="Times New Roman" panose="02020603050405020304" pitchFamily="18" charset="0"/>
+                        </a:rPr>
+                        <a:t>参与设计报表统计，本服务设计自己的表结构，采用增量的方式同步用户相关数据；统计</a:t>
+                      </a:r>
+                      <a:r>
+                        <a:rPr kumimoji="0" lang="en-US" altLang="zh-CN" sz="1200" b="0" i="0" u="none" strike="noStrike" cap="none" normalizeH="0" baseline="0" dirty="0" smtClean="0">
+                          <a:ln>
+                            <a:noFill/>
+                          </a:ln>
+                          <a:solidFill>
+                            <a:srgbClr val="000000"/>
+                          </a:solidFill>
+                          <a:effectLst/>
+                          <a:latin typeface="微软雅黑" panose="020B0503020204020204" pitchFamily="34" charset="-122"/>
+                          <a:ea typeface="微软雅黑" panose="020B0503020204020204" pitchFamily="34" charset="-122"/>
+                          <a:cs typeface="Times New Roman" panose="02020603050405020304" pitchFamily="18" charset="0"/>
+                        </a:rPr>
+                        <a:t>sql</a:t>
+                      </a:r>
+                      <a:r>
+                        <a:rPr kumimoji="0" lang="zh-CN" altLang="en-US" sz="1200" b="0" i="0" u="none" strike="noStrike" cap="none" normalizeH="0" baseline="0" dirty="0" smtClean="0">
+                          <a:ln>
+                            <a:noFill/>
+                          </a:ln>
+                          <a:solidFill>
+                            <a:srgbClr val="000000"/>
+                          </a:solidFill>
+                          <a:effectLst/>
+                          <a:latin typeface="微软雅黑" panose="020B0503020204020204" pitchFamily="34" charset="-122"/>
+                          <a:ea typeface="微软雅黑" panose="020B0503020204020204" pitchFamily="34" charset="-122"/>
+                          <a:cs typeface="Times New Roman" panose="02020603050405020304" pitchFamily="18" charset="0"/>
+                        </a:rPr>
+                        <a:t>语句直接查询本地库的表，减少了多表之间的关联查询，提高性能；</a:t>
+                      </a:r>
+                      <a:endParaRPr kumimoji="0" lang="zh-CN" altLang="en-US" sz="1200" b="0" i="0" u="none" strike="noStrike" cap="none" normalizeH="0" baseline="0" dirty="0" smtClean="0">
                         <a:ln>
                           <a:noFill/>
                         </a:ln>
@@ -15593,7 +15704,7 @@
                   </a:tcPr>
                 </a:tc>
               </a:tr>
-              <a:tr h="2129790">
+              <a:tr h="1105535">
                 <a:tc vMerge="1">
                   <a:tcPr horzOverflow="overflow">
                     <a:lnL w="12700" cap="flat" cmpd="sng" algn="ctr">
@@ -15652,14 +15763,14 @@
                         </a:spcAft>
                       </a:pPr>
                       <a:r>
-                        <a:rPr lang="zh-CN" sz="900" kern="100">
+                        <a:rPr lang="zh-CN" sz="900" kern="100" dirty="0">
                           <a:effectLst/>
                           <a:latin typeface="微软雅黑" panose="020B0503020204020204" pitchFamily="34" charset="-122"/>
                           <a:ea typeface="微软雅黑" panose="020B0503020204020204" pitchFamily="34" charset="-122"/>
                         </a:rPr>
-                        <a:t>软件设计</a:t>
-                      </a:r>
-                      <a:endParaRPr lang="zh-CN" sz="1050" kern="100">
+                        <a:t>调试与优化</a:t>
+                      </a:r>
+                      <a:endParaRPr lang="zh-CN" sz="1050" kern="100" dirty="0">
                         <a:effectLst/>
                         <a:latin typeface="微软雅黑" panose="020B0503020204020204" pitchFamily="34" charset="-122"/>
                         <a:ea typeface="微软雅黑" panose="020B0503020204020204" pitchFamily="34" charset="-122"/>
@@ -15862,6 +15973,36 @@
                         <a:t>1.</a:t>
                       </a:r>
                       <a:r>
+                        <a:rPr kumimoji="0" lang="zh-CN" altLang="zh-CN" sz="1200" b="0" i="0" u="none" strike="noStrike" cap="none" normalizeH="0" baseline="0" dirty="0" smtClean="0">
+                          <a:ln>
+                            <a:noFill/>
+                          </a:ln>
+                          <a:solidFill>
+                            <a:srgbClr val="000000"/>
+                          </a:solidFill>
+                          <a:effectLst/>
+                          <a:latin typeface="微软雅黑" panose="020B0503020204020204" pitchFamily="34" charset="-122"/>
+                          <a:ea typeface="微软雅黑" panose="020B0503020204020204" pitchFamily="34" charset="-122"/>
+                          <a:cs typeface="Times New Roman" panose="02020603050405020304" pitchFamily="18" charset="0"/>
+                        </a:rPr>
+                        <a:t>开发我的学习组件时，调试接口时，熟练应用</a:t>
+                      </a:r>
+                      <a:r>
+                        <a:rPr kumimoji="0" lang="en-US" altLang="zh-CN" sz="1200" b="0" i="0" u="none" strike="noStrike" cap="none" normalizeH="0" baseline="0" dirty="0" smtClean="0">
+                          <a:ln>
+                            <a:noFill/>
+                          </a:ln>
+                          <a:solidFill>
+                            <a:srgbClr val="000000"/>
+                          </a:solidFill>
+                          <a:effectLst/>
+                          <a:latin typeface="微软雅黑" panose="020B0503020204020204" pitchFamily="34" charset="-122"/>
+                          <a:ea typeface="微软雅黑" panose="020B0503020204020204" pitchFamily="34" charset="-122"/>
+                          <a:cs typeface="Times New Roman" panose="02020603050405020304" pitchFamily="18" charset="0"/>
+                        </a:rPr>
+                        <a:t>idea </a:t>
+                      </a:r>
+                      <a:r>
                         <a:rPr kumimoji="0" lang="zh-CN" altLang="en-US" sz="1200" b="0" i="0" u="none" strike="noStrike" cap="none" normalizeH="0" baseline="0" dirty="0" smtClean="0">
                           <a:ln>
                             <a:noFill/>
@@ -15874,157 +16015,7 @@
                           <a:ea typeface="微软雅黑" panose="020B0503020204020204" pitchFamily="34" charset="-122"/>
                           <a:cs typeface="Times New Roman" panose="02020603050405020304" pitchFamily="18" charset="0"/>
                         </a:rPr>
-                        <a:t>参与我的学习重构设计，旧的我的学习服务跟别的服务（如培训、公开课、考试等等）之间耦合度高，我的学习中一个接口里面会封装多个接口调用，每次请求我的学习的接口响应时间就异常的久（高达</a:t>
-                      </a:r>
-                      <a:r>
-                        <a:rPr kumimoji="0" lang="en-US" altLang="zh-CN" sz="1200" b="0" i="0" u="none" strike="noStrike" cap="none" normalizeH="0" baseline="0" dirty="0" smtClean="0">
-                          <a:ln>
-                            <a:noFill/>
-                          </a:ln>
-                          <a:solidFill>
-                            <a:srgbClr val="000000"/>
-                          </a:solidFill>
-                          <a:effectLst/>
-                          <a:latin typeface="微软雅黑" panose="020B0503020204020204" pitchFamily="34" charset="-122"/>
-                          <a:ea typeface="微软雅黑" panose="020B0503020204020204" pitchFamily="34" charset="-122"/>
-                          <a:cs typeface="Times New Roman" panose="02020603050405020304" pitchFamily="18" charset="0"/>
-                        </a:rPr>
-                        <a:t>7</a:t>
-                      </a:r>
-                      <a:r>
-                        <a:rPr kumimoji="0" lang="zh-CN" altLang="en-US" sz="1200" b="0" i="0" u="none" strike="noStrike" cap="none" normalizeH="0" baseline="0" dirty="0" smtClean="0">
-                          <a:ln>
-                            <a:noFill/>
-                          </a:ln>
-                          <a:solidFill>
-                            <a:srgbClr val="000000"/>
-                          </a:solidFill>
-                          <a:effectLst/>
-                          <a:latin typeface="微软雅黑" panose="020B0503020204020204" pitchFamily="34" charset="-122"/>
-                          <a:ea typeface="微软雅黑" panose="020B0503020204020204" pitchFamily="34" charset="-122"/>
-                          <a:cs typeface="Times New Roman" panose="02020603050405020304" pitchFamily="18" charset="0"/>
-                        </a:rPr>
-                        <a:t>、</a:t>
-                      </a:r>
-                      <a:r>
-                        <a:rPr kumimoji="0" lang="en-US" altLang="zh-CN" sz="1200" b="0" i="0" u="none" strike="noStrike" cap="none" normalizeH="0" baseline="0" dirty="0" smtClean="0">
-                          <a:ln>
-                            <a:noFill/>
-                          </a:ln>
-                          <a:solidFill>
-                            <a:srgbClr val="000000"/>
-                          </a:solidFill>
-                          <a:effectLst/>
-                          <a:latin typeface="微软雅黑" panose="020B0503020204020204" pitchFamily="34" charset="-122"/>
-                          <a:ea typeface="微软雅黑" panose="020B0503020204020204" pitchFamily="34" charset="-122"/>
-                          <a:cs typeface="Times New Roman" panose="02020603050405020304" pitchFamily="18" charset="0"/>
-                        </a:rPr>
-                        <a:t>8s</a:t>
-                      </a:r>
-                      <a:r>
-                        <a:rPr kumimoji="0" lang="zh-CN" altLang="en-US" sz="1200" b="0" i="0" u="none" strike="noStrike" cap="none" normalizeH="0" baseline="0" dirty="0" smtClean="0">
-                          <a:ln>
-                            <a:noFill/>
-                          </a:ln>
-                          <a:solidFill>
-                            <a:srgbClr val="000000"/>
-                          </a:solidFill>
-                          <a:effectLst/>
-                          <a:latin typeface="微软雅黑" panose="020B0503020204020204" pitchFamily="34" charset="-122"/>
-                          <a:ea typeface="微软雅黑" panose="020B0503020204020204" pitchFamily="34" charset="-122"/>
-                          <a:cs typeface="Times New Roman" panose="02020603050405020304" pitchFamily="18" charset="0"/>
-                        </a:rPr>
-                        <a:t>），导致体验性特别差；通过重构采用</a:t>
-                      </a:r>
-                      <a:r>
-                        <a:rPr kumimoji="0" lang="en-US" altLang="zh-CN" sz="1200" b="0" i="0" u="none" strike="noStrike" cap="none" normalizeH="0" baseline="0" dirty="0" smtClean="0">
-                          <a:ln>
-                            <a:noFill/>
-                          </a:ln>
-                          <a:solidFill>
-                            <a:srgbClr val="000000"/>
-                          </a:solidFill>
-                          <a:effectLst/>
-                          <a:latin typeface="微软雅黑" panose="020B0503020204020204" pitchFamily="34" charset="-122"/>
-                          <a:ea typeface="微软雅黑" panose="020B0503020204020204" pitchFamily="34" charset="-122"/>
-                          <a:cs typeface="Times New Roman" panose="02020603050405020304" pitchFamily="18" charset="0"/>
-                        </a:rPr>
-                        <a:t>rabbit MQ</a:t>
-                      </a:r>
-                      <a:r>
-                        <a:rPr kumimoji="0" lang="zh-CN" altLang="en-US" sz="1200" b="0" i="0" u="none" strike="noStrike" cap="none" normalizeH="0" baseline="0" dirty="0" smtClean="0">
-                          <a:ln>
-                            <a:noFill/>
-                          </a:ln>
-                          <a:solidFill>
-                            <a:srgbClr val="000000"/>
-                          </a:solidFill>
-                          <a:effectLst/>
-                          <a:latin typeface="微软雅黑" panose="020B0503020204020204" pitchFamily="34" charset="-122"/>
-                          <a:ea typeface="微软雅黑" panose="020B0503020204020204" pitchFamily="34" charset="-122"/>
-                          <a:cs typeface="Times New Roman" panose="02020603050405020304" pitchFamily="18" charset="0"/>
-                        </a:rPr>
-                        <a:t>消息机制，在我的学习采用通用的数据结构本地冗余一份用户学习数据，通过监听业务对象用户学习进度变化更新本地数据，直接查询本地数据库，一条</a:t>
-                      </a:r>
-                      <a:r>
-                        <a:rPr kumimoji="0" lang="en-US" altLang="zh-CN" sz="1200" b="0" i="0" u="none" strike="noStrike" cap="none" normalizeH="0" baseline="0" dirty="0" smtClean="0">
-                          <a:ln>
-                            <a:noFill/>
-                          </a:ln>
-                          <a:solidFill>
-                            <a:srgbClr val="000000"/>
-                          </a:solidFill>
-                          <a:effectLst/>
-                          <a:latin typeface="微软雅黑" panose="020B0503020204020204" pitchFamily="34" charset="-122"/>
-                          <a:ea typeface="微软雅黑" panose="020B0503020204020204" pitchFamily="34" charset="-122"/>
-                          <a:cs typeface="Times New Roman" panose="02020603050405020304" pitchFamily="18" charset="0"/>
-                        </a:rPr>
-                        <a:t>select</a:t>
-                      </a:r>
-                      <a:r>
-                        <a:rPr kumimoji="0" lang="zh-CN" altLang="en-US" sz="1200" b="0" i="0" u="none" strike="noStrike" cap="none" normalizeH="0" baseline="0" dirty="0" smtClean="0">
-                          <a:ln>
-                            <a:noFill/>
-                          </a:ln>
-                          <a:solidFill>
-                            <a:srgbClr val="000000"/>
-                          </a:solidFill>
-                          <a:effectLst/>
-                          <a:latin typeface="微软雅黑" panose="020B0503020204020204" pitchFamily="34" charset="-122"/>
-                          <a:ea typeface="微软雅黑" panose="020B0503020204020204" pitchFamily="34" charset="-122"/>
-                          <a:cs typeface="Times New Roman" panose="02020603050405020304" pitchFamily="18" charset="0"/>
-                        </a:rPr>
-                        <a:t>语句，性能直接提升到</a:t>
-                      </a:r>
-                      <a:r>
-                        <a:rPr kumimoji="0" lang="en-US" altLang="zh-CN" sz="1200" b="0" i="0" u="none" strike="noStrike" cap="none" normalizeH="0" baseline="0" dirty="0" smtClean="0">
-                          <a:ln>
-                            <a:noFill/>
-                          </a:ln>
-                          <a:solidFill>
-                            <a:srgbClr val="000000"/>
-                          </a:solidFill>
-                          <a:effectLst/>
-                          <a:latin typeface="微软雅黑" panose="020B0503020204020204" pitchFamily="34" charset="-122"/>
-                          <a:ea typeface="微软雅黑" panose="020B0503020204020204" pitchFamily="34" charset="-122"/>
-                          <a:cs typeface="Times New Roman" panose="02020603050405020304" pitchFamily="18" charset="0"/>
-                        </a:rPr>
-                        <a:t>100ms</a:t>
-                      </a:r>
-                      <a:r>
-                        <a:rPr kumimoji="0" lang="zh-CN" altLang="en-US" sz="1200" b="0" i="0" u="none" strike="noStrike" cap="none" normalizeH="0" baseline="0" dirty="0" smtClean="0">
-                          <a:ln>
-                            <a:noFill/>
-                          </a:ln>
-                          <a:solidFill>
-                            <a:srgbClr val="000000"/>
-                          </a:solidFill>
-                          <a:effectLst/>
-                          <a:latin typeface="微软雅黑" panose="020B0503020204020204" pitchFamily="34" charset="-122"/>
-                          <a:ea typeface="微软雅黑" panose="020B0503020204020204" pitchFamily="34" charset="-122"/>
-                          <a:cs typeface="Times New Roman" panose="02020603050405020304" pitchFamily="18" charset="0"/>
-                        </a:rPr>
-                        <a:t>左右；</a:t>
+                        <a:t>调试技巧，快速定位问题并解决，保证测试进度；</a:t>
                       </a:r>
                       <a:endParaRPr kumimoji="0" lang="zh-CN" altLang="en-US" sz="1200" b="0" i="0" u="none" strike="noStrike" cap="none" normalizeH="0" baseline="0" dirty="0" smtClean="0">
                         <a:ln>
@@ -16085,37 +16076,7 @@
                           <a:ea typeface="微软雅黑" panose="020B0503020204020204" pitchFamily="34" charset="-122"/>
                           <a:cs typeface="Times New Roman" panose="02020603050405020304" pitchFamily="18" charset="0"/>
                         </a:rPr>
-                        <a:t>参与设计报表统计，本服务设计自己的表结构，采用增量的方式同步用户相关数据；统计</a:t>
-                      </a:r>
-                      <a:r>
-                        <a:rPr kumimoji="0" lang="en-US" altLang="zh-CN" sz="1200" b="0" i="0" u="none" strike="noStrike" cap="none" normalizeH="0" baseline="0" dirty="0" smtClean="0">
-                          <a:ln>
-                            <a:noFill/>
-                          </a:ln>
-                          <a:solidFill>
-                            <a:srgbClr val="000000"/>
-                          </a:solidFill>
-                          <a:effectLst/>
-                          <a:latin typeface="微软雅黑" panose="020B0503020204020204" pitchFamily="34" charset="-122"/>
-                          <a:ea typeface="微软雅黑" panose="020B0503020204020204" pitchFamily="34" charset="-122"/>
-                          <a:cs typeface="Times New Roman" panose="02020603050405020304" pitchFamily="18" charset="0"/>
-                        </a:rPr>
-                        <a:t>sql</a:t>
-                      </a:r>
-                      <a:r>
-                        <a:rPr kumimoji="0" lang="zh-CN" altLang="en-US" sz="1200" b="0" i="0" u="none" strike="noStrike" cap="none" normalizeH="0" baseline="0" dirty="0" smtClean="0">
-                          <a:ln>
-                            <a:noFill/>
-                          </a:ln>
-                          <a:solidFill>
-                            <a:srgbClr val="000000"/>
-                          </a:solidFill>
-                          <a:effectLst/>
-                          <a:latin typeface="微软雅黑" panose="020B0503020204020204" pitchFamily="34" charset="-122"/>
-                          <a:ea typeface="微软雅黑" panose="020B0503020204020204" pitchFamily="34" charset="-122"/>
-                          <a:cs typeface="Times New Roman" panose="02020603050405020304" pitchFamily="18" charset="0"/>
-                        </a:rPr>
-                        <a:t>语句直接查询本地库的表，减少了多表之间的关联查询，提高性能；</a:t>
+                        <a:t>报表统计中，通过中间的服务对原始数据进行二次运算后插入表中，统计语句直接查询进行二次运算后的数据，减少了表之间的关联，间接提高了查询性能；</a:t>
                       </a:r>
                       <a:endParaRPr kumimoji="0" lang="zh-CN" altLang="en-US" sz="1200" b="0" i="0" u="none" strike="noStrike" cap="none" normalizeH="0" baseline="0" dirty="0" smtClean="0">
                         <a:ln>
@@ -16283,7 +16244,7 @@
                   </a:tcPr>
                 </a:tc>
               </a:tr>
-              <a:tr h="974725">
+              <a:tr h="641350">
                 <a:tc vMerge="1">
                   <a:tcPr horzOverflow="overflow">
                     <a:lnL w="12700" cap="flat" cmpd="sng" algn="ctr">
@@ -16342,14 +16303,14 @@
                         </a:spcAft>
                       </a:pPr>
                       <a:r>
-                        <a:rPr lang="zh-CN" sz="900" kern="100" dirty="0">
+                        <a:rPr lang="zh-CN" sz="900" kern="100">
                           <a:effectLst/>
                           <a:latin typeface="微软雅黑" panose="020B0503020204020204" pitchFamily="34" charset="-122"/>
                           <a:ea typeface="微软雅黑" panose="020B0503020204020204" pitchFamily="34" charset="-122"/>
                         </a:rPr>
-                        <a:t>调试与优化</a:t>
-                      </a:r>
-                      <a:endParaRPr lang="zh-CN" sz="1050" kern="100" dirty="0">
+                        <a:t>编程语言与系统知识</a:t>
+                      </a:r>
+                      <a:endParaRPr lang="zh-CN" sz="1050" kern="100">
                         <a:effectLst/>
                         <a:latin typeface="微软雅黑" panose="020B0503020204020204" pitchFamily="34" charset="-122"/>
                         <a:ea typeface="微软雅黑" panose="020B0503020204020204" pitchFamily="34" charset="-122"/>
@@ -16537,6 +16498,21 @@
                         <a:buNone/>
                       </a:pPr>
                       <a:r>
+                        <a:rPr kumimoji="0" lang="zh-CN" altLang="en-US" sz="1200" b="0" i="0" u="none" strike="noStrike" cap="none" normalizeH="0" baseline="0" dirty="0" smtClean="0">
+                          <a:ln>
+                            <a:noFill/>
+                          </a:ln>
+                          <a:solidFill>
+                            <a:srgbClr val="000000"/>
+                          </a:solidFill>
+                          <a:effectLst/>
+                          <a:latin typeface="微软雅黑" panose="020B0503020204020204" pitchFamily="34" charset="-122"/>
+                          <a:ea typeface="微软雅黑" panose="020B0503020204020204" pitchFamily="34" charset="-122"/>
+                          <a:cs typeface="Times New Roman" panose="02020603050405020304" pitchFamily="18" charset="0"/>
+                        </a:rPr>
+                        <a:t>参与我的学习，报表统计的开发，使用</a:t>
+                      </a:r>
+                      <a:r>
                         <a:rPr kumimoji="0" lang="en-US" altLang="zh-CN" sz="1200" b="0" i="0" u="none" strike="noStrike" cap="none" normalizeH="0" baseline="0" dirty="0" smtClean="0">
                           <a:ln>
                             <a:noFill/>
@@ -16549,10 +16525,10 @@
                           <a:ea typeface="微软雅黑" panose="020B0503020204020204" pitchFamily="34" charset="-122"/>
                           <a:cs typeface="Times New Roman" panose="02020603050405020304" pitchFamily="18" charset="0"/>
                         </a:rPr>
-                        <a:t>1.</a:t>
-                      </a:r>
-                      <a:r>
-                        <a:rPr kumimoji="0" lang="zh-CN" altLang="zh-CN" sz="1200" b="0" i="0" u="none" strike="noStrike" cap="none" normalizeH="0" baseline="0" dirty="0" smtClean="0">
+                        <a:t>spring boot </a:t>
+                      </a:r>
+                      <a:r>
+                        <a:rPr kumimoji="0" lang="zh-CN" altLang="en-US" sz="1200" b="0" i="0" u="none" strike="noStrike" cap="none" normalizeH="0" baseline="0" dirty="0" smtClean="0">
                           <a:ln>
                             <a:noFill/>
                           </a:ln>
@@ -16564,7 +16540,7 @@
                           <a:ea typeface="微软雅黑" panose="020B0503020204020204" pitchFamily="34" charset="-122"/>
                           <a:cs typeface="Times New Roman" panose="02020603050405020304" pitchFamily="18" charset="0"/>
                         </a:rPr>
-                        <a:t>开发我的学习组件时，调试接口时，熟练应用</a:t>
+                        <a:t>作为后端框架，使用</a:t>
                       </a:r>
                       <a:r>
                         <a:rPr kumimoji="0" lang="en-US" altLang="zh-CN" sz="1200" b="0" i="0" u="none" strike="noStrike" cap="none" normalizeH="0" baseline="0" dirty="0" smtClean="0">
@@ -16579,7 +16555,7 @@
                           <a:ea typeface="微软雅黑" panose="020B0503020204020204" pitchFamily="34" charset="-122"/>
                           <a:cs typeface="Times New Roman" panose="02020603050405020304" pitchFamily="18" charset="0"/>
                         </a:rPr>
-                        <a:t>idea </a:t>
+                        <a:t>spring data jpa</a:t>
                       </a:r>
                       <a:r>
                         <a:rPr kumimoji="0" lang="zh-CN" altLang="en-US" sz="1200" b="0" i="0" u="none" strike="noStrike" cap="none" normalizeH="0" baseline="0" dirty="0" smtClean="0">
@@ -16594,39 +16570,8 @@
                           <a:ea typeface="微软雅黑" panose="020B0503020204020204" pitchFamily="34" charset="-122"/>
                           <a:cs typeface="Times New Roman" panose="02020603050405020304" pitchFamily="18" charset="0"/>
                         </a:rPr>
-                        <a:t>调试技巧，快速定位问题并解决，保证测试进度；</a:t>
-                      </a:r>
-                      <a:endParaRPr kumimoji="0" lang="zh-CN" altLang="en-US" sz="1200" b="0" i="0" u="none" strike="noStrike" cap="none" normalizeH="0" baseline="0" dirty="0" smtClean="0">
-                        <a:ln>
-                          <a:noFill/>
-                        </a:ln>
-                        <a:solidFill>
-                          <a:srgbClr val="000000"/>
-                        </a:solidFill>
-                        <a:effectLst/>
-                        <a:latin typeface="微软雅黑" panose="020B0503020204020204" pitchFamily="34" charset="-122"/>
-                        <a:ea typeface="微软雅黑" panose="020B0503020204020204" pitchFamily="34" charset="-122"/>
-                        <a:cs typeface="Times New Roman" panose="02020603050405020304" pitchFamily="18" charset="0"/>
-                      </a:endParaRPr>
-                    </a:p>
-                    <a:p>
-                      <a:pPr marL="0" marR="0" lvl="0" indent="0" algn="l" defTabSz="914400" rtl="0" eaLnBrk="0" fontAlgn="base" latinLnBrk="0" hangingPunct="0">
-                        <a:lnSpc>
-                          <a:spcPct val="120000"/>
-                        </a:lnSpc>
-                        <a:spcBef>
-                          <a:spcPct val="10000"/>
-                        </a:spcBef>
-                        <a:spcAft>
-                          <a:spcPct val="0"/>
-                        </a:spcAft>
-                        <a:buClr>
-                          <a:srgbClr val="3F6985"/>
-                        </a:buClr>
-                        <a:buSzTx/>
-                        <a:buFont typeface="Wingdings" panose="05000000000000000000" pitchFamily="2" charset="2"/>
-                        <a:buNone/>
-                      </a:pPr>
+                        <a:t>作为数据访问层；通过</a:t>
+                      </a:r>
                       <a:r>
                         <a:rPr kumimoji="0" lang="en-US" altLang="zh-CN" sz="1200" b="0" i="0" u="none" strike="noStrike" cap="none" normalizeH="0" baseline="0" dirty="0" smtClean="0">
                           <a:ln>
@@ -16640,7 +16585,7 @@
                           <a:ea typeface="微软雅黑" panose="020B0503020204020204" pitchFamily="34" charset="-122"/>
                           <a:cs typeface="Times New Roman" panose="02020603050405020304" pitchFamily="18" charset="0"/>
                         </a:rPr>
-                        <a:t>2.</a:t>
+                        <a:t>json</a:t>
                       </a:r>
                       <a:r>
                         <a:rPr kumimoji="0" lang="zh-CN" altLang="en-US" sz="1200" b="0" i="0" u="none" strike="noStrike" cap="none" normalizeH="0" baseline="0" dirty="0" smtClean="0">
@@ -16655,577 +16600,7 @@
                           <a:ea typeface="微软雅黑" panose="020B0503020204020204" pitchFamily="34" charset="-122"/>
                           <a:cs typeface="Times New Roman" panose="02020603050405020304" pitchFamily="18" charset="0"/>
                         </a:rPr>
-                        <a:t>报表统计中，通过中间的服务对原始数据进行二次运算后插入表中，统计语句直接查询进行二次运算后的数据，减少了表之间的关联，间接提高了查询性能；</a:t>
-                      </a:r>
-                      <a:endParaRPr kumimoji="0" lang="zh-CN" altLang="en-US" sz="1200" b="0" i="0" u="none" strike="noStrike" cap="none" normalizeH="0" baseline="0" dirty="0" smtClean="0">
-                        <a:ln>
-                          <a:noFill/>
-                        </a:ln>
-                        <a:solidFill>
-                          <a:srgbClr val="000000"/>
-                        </a:solidFill>
-                        <a:effectLst/>
-                        <a:latin typeface="微软雅黑" panose="020B0503020204020204" pitchFamily="34" charset="-122"/>
-                        <a:ea typeface="微软雅黑" panose="020B0503020204020204" pitchFamily="34" charset="-122"/>
-                        <a:cs typeface="Times New Roman" panose="02020603050405020304" pitchFamily="18" charset="0"/>
-                      </a:endParaRPr>
-                    </a:p>
-                  </a:txBody>
-                  <a:tcPr marT="40809" marB="40809" anchor="ctr" horzOverflow="overflow">
-                    <a:lnL w="12700" cap="flat" cmpd="sng" algn="ctr">
-                      <a:solidFill>
-                        <a:schemeClr val="tx1">
-                          <a:lumMod val="50000"/>
-                          <a:lumOff val="50000"/>
-                        </a:schemeClr>
-                      </a:solidFill>
-                      <a:prstDash val="solid"/>
-                      <a:round/>
-                      <a:headEnd type="none" w="med" len="med"/>
-                      <a:tailEnd type="none" w="med" len="med"/>
-                    </a:lnL>
-                    <a:lnR w="12700" cap="flat" cmpd="sng" algn="ctr">
-                      <a:solidFill>
-                        <a:schemeClr val="tx1">
-                          <a:lumMod val="50000"/>
-                          <a:lumOff val="50000"/>
-                        </a:schemeClr>
-                      </a:solidFill>
-                      <a:prstDash val="solid"/>
-                      <a:round/>
-                      <a:headEnd type="none" w="med" len="med"/>
-                      <a:tailEnd type="none" w="med" len="med"/>
-                    </a:lnR>
-                    <a:lnT w="12700" cap="flat" cmpd="sng" algn="ctr">
-                      <a:solidFill>
-                        <a:schemeClr val="tx1">
-                          <a:lumMod val="50000"/>
-                          <a:lumOff val="50000"/>
-                        </a:schemeClr>
-                      </a:solidFill>
-                      <a:prstDash val="solid"/>
-                      <a:round/>
-                      <a:headEnd type="none" w="med" len="med"/>
-                      <a:tailEnd type="none" w="med" len="med"/>
-                    </a:lnT>
-                    <a:lnB w="12700" cap="flat" cmpd="sng" algn="ctr">
-                      <a:solidFill>
-                        <a:schemeClr val="tx1">
-                          <a:lumMod val="50000"/>
-                          <a:lumOff val="50000"/>
-                        </a:schemeClr>
-                      </a:solidFill>
-                      <a:prstDash val="solid"/>
-                      <a:round/>
-                      <a:headEnd type="none" w="med" len="med"/>
-                      <a:tailEnd type="none" w="med" len="med"/>
-                    </a:lnB>
-                    <a:lnTlToBr>
-                      <a:noFill/>
-                    </a:lnTlToBr>
-                    <a:lnBlToTr>
-                      <a:noFill/>
-                    </a:lnBlToTr>
-                    <a:noFill/>
-                  </a:tcPr>
-                </a:tc>
-                <a:tc>
-                  <a:txBody>
-                    <a:bodyPr/>
-                    <a:lstStyle/>
-                    <a:p>
-                      <a:pPr marL="0" marR="0" lvl="0" indent="0" algn="l" defTabSz="914400" rtl="0" eaLnBrk="0" fontAlgn="base" latinLnBrk="0" hangingPunct="0">
-                        <a:lnSpc>
-                          <a:spcPct val="120000"/>
-                        </a:lnSpc>
-                        <a:spcBef>
-                          <a:spcPct val="10000"/>
-                        </a:spcBef>
-                        <a:spcAft>
-                          <a:spcPct val="0"/>
-                        </a:spcAft>
-                        <a:buClr>
-                          <a:srgbClr val="3F6985"/>
-                        </a:buClr>
-                        <a:buSzTx/>
-                        <a:buFont typeface="Wingdings" panose="05000000000000000000" pitchFamily="2" charset="2"/>
-                        <a:buNone/>
-                      </a:pPr>
-                      <a:endParaRPr kumimoji="0" lang="zh-CN" altLang="zh-CN" sz="1200" b="0" i="0" u="none" strike="noStrike" cap="none" normalizeH="0" baseline="0" dirty="0" smtClean="0">
-                        <a:ln>
-                          <a:noFill/>
-                        </a:ln>
-                        <a:solidFill>
-                          <a:schemeClr val="tx1"/>
-                        </a:solidFill>
-                        <a:effectLst/>
-                        <a:latin typeface="微软雅黑" panose="020B0503020204020204" pitchFamily="34" charset="-122"/>
-                        <a:ea typeface="微软雅黑" panose="020B0503020204020204" pitchFamily="34" charset="-122"/>
-                      </a:endParaRPr>
-                    </a:p>
-                  </a:txBody>
-                  <a:tcPr marT="40809" marB="40809" anchor="ctr" horzOverflow="overflow">
-                    <a:lnL w="12700" cap="flat" cmpd="sng" algn="ctr">
-                      <a:solidFill>
-                        <a:schemeClr val="tx1">
-                          <a:lumMod val="50000"/>
-                          <a:lumOff val="50000"/>
-                        </a:schemeClr>
-                      </a:solidFill>
-                      <a:prstDash val="solid"/>
-                      <a:round/>
-                      <a:headEnd type="none" w="med" len="med"/>
-                      <a:tailEnd type="none" w="med" len="med"/>
-                    </a:lnL>
-                    <a:lnR w="12700" cap="flat" cmpd="sng" algn="ctr">
-                      <a:solidFill>
-                        <a:schemeClr val="tx1">
-                          <a:lumMod val="50000"/>
-                          <a:lumOff val="50000"/>
-                        </a:schemeClr>
-                      </a:solidFill>
-                      <a:prstDash val="solid"/>
-                      <a:round/>
-                      <a:headEnd type="none" w="med" len="med"/>
-                      <a:tailEnd type="none" w="med" len="med"/>
-                    </a:lnR>
-                    <a:lnT w="12700" cap="flat" cmpd="sng" algn="ctr">
-                      <a:solidFill>
-                        <a:schemeClr val="tx1">
-                          <a:lumMod val="50000"/>
-                          <a:lumOff val="50000"/>
-                        </a:schemeClr>
-                      </a:solidFill>
-                      <a:prstDash val="solid"/>
-                      <a:round/>
-                      <a:headEnd type="none" w="med" len="med"/>
-                      <a:tailEnd type="none" w="med" len="med"/>
-                    </a:lnT>
-                    <a:lnB w="12700" cap="flat" cmpd="sng" algn="ctr">
-                      <a:solidFill>
-                        <a:schemeClr val="tx1">
-                          <a:lumMod val="50000"/>
-                          <a:lumOff val="50000"/>
-                        </a:schemeClr>
-                      </a:solidFill>
-                      <a:prstDash val="solid"/>
-                      <a:round/>
-                      <a:headEnd type="none" w="med" len="med"/>
-                      <a:tailEnd type="none" w="med" len="med"/>
-                    </a:lnB>
-                    <a:lnTlToBr>
-                      <a:noFill/>
-                    </a:lnTlToBr>
-                    <a:lnBlToTr>
-                      <a:noFill/>
-                    </a:lnBlToTr>
-                    <a:noFill/>
-                  </a:tcPr>
-                </a:tc>
-              </a:tr>
-              <a:tr h="565785">
-                <a:tc vMerge="1">
-                  <a:tcPr horzOverflow="overflow">
-                    <a:lnL w="12700" cap="flat" cmpd="sng" algn="ctr">
-                      <a:solidFill>
-                        <a:schemeClr val="tx1"/>
-                      </a:solidFill>
-                      <a:prstDash val="solid"/>
-                      <a:round/>
-                      <a:headEnd type="none" w="med" len="med"/>
-                      <a:tailEnd type="none" w="med" len="med"/>
-                    </a:lnL>
-                    <a:lnR w="12700" cap="flat" cmpd="sng" algn="ctr">
-                      <a:solidFill>
-                        <a:schemeClr val="tx1"/>
-                      </a:solidFill>
-                      <a:prstDash val="solid"/>
-                      <a:round/>
-                      <a:headEnd type="none" w="med" len="med"/>
-                      <a:tailEnd type="none" w="med" len="med"/>
-                    </a:lnR>
-                    <a:lnT w="12700" cap="flat" cmpd="sng" algn="ctr">
-                      <a:solidFill>
-                        <a:schemeClr val="tx1"/>
-                      </a:solidFill>
-                      <a:prstDash val="solid"/>
-                      <a:round/>
-                      <a:headEnd type="none" w="med" len="med"/>
-                      <a:tailEnd type="none" w="med" len="med"/>
-                    </a:lnT>
-                    <a:lnB w="12700" cap="flat" cmpd="sng" algn="ctr">
-                      <a:solidFill>
-                        <a:schemeClr val="tx1"/>
-                      </a:solidFill>
-                      <a:prstDash val="solid"/>
-                      <a:round/>
-                      <a:headEnd type="none" w="med" len="med"/>
-                      <a:tailEnd type="none" w="med" len="med"/>
-                    </a:lnB>
-                    <a:lnTlToBr>
-                      <a:noFill/>
-                    </a:lnTlToBr>
-                    <a:lnBlToTr>
-                      <a:noFill/>
-                    </a:lnBlToTr>
-                    <a:noFill/>
-                  </a:tcPr>
-                </a:tc>
-                <a:tc>
-                  <a:txBody>
-                    <a:bodyPr/>
-                    <a:lstStyle/>
-                    <a:p>
-                      <a:pPr algn="l">
-                        <a:spcAft>
-                          <a:spcPts val="0"/>
-                        </a:spcAft>
-                      </a:pPr>
-                      <a:r>
-                        <a:rPr lang="zh-CN" sz="900" kern="100">
-                          <a:effectLst/>
-                          <a:latin typeface="微软雅黑" panose="020B0503020204020204" pitchFamily="34" charset="-122"/>
-                          <a:ea typeface="微软雅黑" panose="020B0503020204020204" pitchFamily="34" charset="-122"/>
-                        </a:rPr>
-                        <a:t>编程语言与系统知识</a:t>
-                      </a:r>
-                      <a:endParaRPr lang="zh-CN" sz="1050" kern="100">
-                        <a:effectLst/>
-                        <a:latin typeface="微软雅黑" panose="020B0503020204020204" pitchFamily="34" charset="-122"/>
-                        <a:ea typeface="微软雅黑" panose="020B0503020204020204" pitchFamily="34" charset="-122"/>
-                      </a:endParaRPr>
-                    </a:p>
-                  </a:txBody>
-                  <a:tcPr marL="68580" marR="68580" marT="0" marB="0" anchor="ctr">
-                    <a:lnL w="12700" cap="flat" cmpd="sng" algn="ctr">
-                      <a:solidFill>
-                        <a:schemeClr val="tx1">
-                          <a:lumMod val="50000"/>
-                          <a:lumOff val="50000"/>
-                        </a:schemeClr>
-                      </a:solidFill>
-                      <a:prstDash val="solid"/>
-                      <a:round/>
-                      <a:headEnd type="none" w="med" len="med"/>
-                      <a:tailEnd type="none" w="med" len="med"/>
-                    </a:lnL>
-                    <a:lnR w="12700" cap="flat" cmpd="sng" algn="ctr">
-                      <a:solidFill>
-                        <a:schemeClr val="tx1">
-                          <a:lumMod val="50000"/>
-                          <a:lumOff val="50000"/>
-                        </a:schemeClr>
-                      </a:solidFill>
-                      <a:prstDash val="solid"/>
-                      <a:round/>
-                      <a:headEnd type="none" w="med" len="med"/>
-                      <a:tailEnd type="none" w="med" len="med"/>
-                    </a:lnR>
-                    <a:lnT w="12700" cap="flat" cmpd="sng" algn="ctr">
-                      <a:solidFill>
-                        <a:schemeClr val="tx1">
-                          <a:lumMod val="50000"/>
-                          <a:lumOff val="50000"/>
-                        </a:schemeClr>
-                      </a:solidFill>
-                      <a:prstDash val="solid"/>
-                      <a:round/>
-                      <a:headEnd type="none" w="med" len="med"/>
-                      <a:tailEnd type="none" w="med" len="med"/>
-                    </a:lnT>
-                    <a:lnB w="12700" cap="flat" cmpd="sng" algn="ctr">
-                      <a:solidFill>
-                        <a:schemeClr val="tx1">
-                          <a:lumMod val="50000"/>
-                          <a:lumOff val="50000"/>
-                        </a:schemeClr>
-                      </a:solidFill>
-                      <a:prstDash val="solid"/>
-                      <a:round/>
-                      <a:headEnd type="none" w="med" len="med"/>
-                      <a:tailEnd type="none" w="med" len="med"/>
-                    </a:lnB>
-                  </a:tcPr>
-                </a:tc>
-                <a:tc>
-                  <a:txBody>
-                    <a:bodyPr/>
-                    <a:lstStyle/>
-                    <a:p>
-                      <a:pPr marL="0" marR="0" lvl="0" indent="0" algn="ctr" defTabSz="914400" rtl="0" eaLnBrk="0" fontAlgn="base" latinLnBrk="0" hangingPunct="0">
-                        <a:lnSpc>
-                          <a:spcPct val="120000"/>
-                        </a:lnSpc>
-                        <a:spcBef>
-                          <a:spcPct val="10000"/>
-                        </a:spcBef>
-                        <a:spcAft>
-                          <a:spcPct val="0"/>
-                        </a:spcAft>
-                        <a:buClr>
-                          <a:srgbClr val="3F6985"/>
-                        </a:buClr>
-                        <a:buSzTx/>
-                        <a:buFont typeface="Wingdings" panose="05000000000000000000" pitchFamily="2" charset="2"/>
-                        <a:buNone/>
-                      </a:pPr>
-                      <a:r>
-                        <a:rPr kumimoji="0" lang="en-US" altLang="zh-CN" sz="1200" b="0" i="0" u="none" strike="noStrike" cap="none" normalizeH="0" baseline="0" dirty="0" smtClean="0">
-                          <a:ln>
-                            <a:noFill/>
-                          </a:ln>
-                          <a:solidFill>
-                            <a:schemeClr val="tx1"/>
-                          </a:solidFill>
-                          <a:effectLst/>
-                          <a:latin typeface="微软雅黑" panose="020B0503020204020204" pitchFamily="34" charset="-122"/>
-                          <a:ea typeface="微软雅黑" panose="020B0503020204020204" pitchFamily="34" charset="-122"/>
-                        </a:rPr>
-                        <a:t>2</a:t>
-                      </a:r>
-                      <a:endParaRPr kumimoji="0" lang="en-US" altLang="zh-CN" sz="1200" b="0" i="0" u="none" strike="noStrike" cap="none" normalizeH="0" baseline="0" dirty="0" smtClean="0">
-                        <a:ln>
-                          <a:noFill/>
-                        </a:ln>
-                        <a:solidFill>
-                          <a:schemeClr val="tx1"/>
-                        </a:solidFill>
-                        <a:effectLst/>
-                        <a:latin typeface="微软雅黑" panose="020B0503020204020204" pitchFamily="34" charset="-122"/>
-                        <a:ea typeface="微软雅黑" panose="020B0503020204020204" pitchFamily="34" charset="-122"/>
-                      </a:endParaRPr>
-                    </a:p>
-                  </a:txBody>
-                  <a:tcPr marT="40809" marB="40809" anchor="ctr" horzOverflow="overflow">
-                    <a:lnL w="12700" cap="flat" cmpd="sng" algn="ctr">
-                      <a:solidFill>
-                        <a:schemeClr val="tx1">
-                          <a:lumMod val="50000"/>
-                          <a:lumOff val="50000"/>
-                        </a:schemeClr>
-                      </a:solidFill>
-                      <a:prstDash val="solid"/>
-                      <a:round/>
-                      <a:headEnd type="none" w="med" len="med"/>
-                      <a:tailEnd type="none" w="med" len="med"/>
-                    </a:lnL>
-                    <a:lnR w="12700" cap="flat" cmpd="sng" algn="ctr">
-                      <a:solidFill>
-                        <a:schemeClr val="tx1">
-                          <a:lumMod val="50000"/>
-                          <a:lumOff val="50000"/>
-                        </a:schemeClr>
-                      </a:solidFill>
-                      <a:prstDash val="solid"/>
-                      <a:round/>
-                      <a:headEnd type="none" w="med" len="med"/>
-                      <a:tailEnd type="none" w="med" len="med"/>
-                    </a:lnR>
-                    <a:lnT w="12700" cap="flat" cmpd="sng" algn="ctr">
-                      <a:solidFill>
-                        <a:schemeClr val="tx1">
-                          <a:lumMod val="50000"/>
-                          <a:lumOff val="50000"/>
-                        </a:schemeClr>
-                      </a:solidFill>
-                      <a:prstDash val="solid"/>
-                      <a:round/>
-                      <a:headEnd type="none" w="med" len="med"/>
-                      <a:tailEnd type="none" w="med" len="med"/>
-                    </a:lnT>
-                    <a:lnB w="12700" cap="flat" cmpd="sng" algn="ctr">
-                      <a:solidFill>
-                        <a:schemeClr val="tx1">
-                          <a:lumMod val="50000"/>
-                          <a:lumOff val="50000"/>
-                        </a:schemeClr>
-                      </a:solidFill>
-                      <a:prstDash val="solid"/>
-                      <a:round/>
-                      <a:headEnd type="none" w="med" len="med"/>
-                      <a:tailEnd type="none" w="med" len="med"/>
-                    </a:lnB>
-                    <a:lnTlToBr>
-                      <a:noFill/>
-                    </a:lnTlToBr>
-                    <a:lnBlToTr>
-                      <a:noFill/>
-                    </a:lnBlToTr>
-                    <a:noFill/>
-                  </a:tcPr>
-                </a:tc>
-                <a:tc>
-                  <a:txBody>
-                    <a:bodyPr/>
-                    <a:lstStyle/>
-                    <a:p>
-                      <a:pPr marL="0" marR="0" lvl="0" indent="0" algn="l" defTabSz="914400" rtl="0" eaLnBrk="0" fontAlgn="base" latinLnBrk="0" hangingPunct="0">
-                        <a:lnSpc>
-                          <a:spcPct val="120000"/>
-                        </a:lnSpc>
-                        <a:spcBef>
-                          <a:spcPct val="10000"/>
-                        </a:spcBef>
-                        <a:spcAft>
-                          <a:spcPct val="0"/>
-                        </a:spcAft>
-                        <a:buClr>
-                          <a:srgbClr val="3F6985"/>
-                        </a:buClr>
-                        <a:buSzTx/>
-                        <a:buFont typeface="Wingdings" panose="05000000000000000000" pitchFamily="2" charset="2"/>
-                        <a:buNone/>
-                      </a:pPr>
-                      <a:r>
-                        <a:rPr kumimoji="0" lang="zh-CN" altLang="zh-CN" sz="1200" b="0" i="0" u="none" strike="noStrike" cap="none" normalizeH="0" baseline="0" dirty="0" smtClean="0">
-                          <a:ln>
-                            <a:noFill/>
-                          </a:ln>
-                          <a:solidFill>
-                            <a:srgbClr val="000000"/>
-                          </a:solidFill>
-                          <a:effectLst/>
-                          <a:latin typeface="微软雅黑" panose="020B0503020204020204" pitchFamily="34" charset="-122"/>
-                          <a:ea typeface="微软雅黑" panose="020B0503020204020204" pitchFamily="34" charset="-122"/>
-                          <a:cs typeface="Times New Roman" panose="02020603050405020304" pitchFamily="18" charset="0"/>
-                        </a:rPr>
-                        <a:t>熟练掌握</a:t>
-                      </a:r>
-                      <a:r>
-                        <a:rPr kumimoji="0" lang="en-US" altLang="zh-CN" sz="1200" b="0" i="0" u="none" strike="noStrike" cap="none" normalizeH="0" baseline="0" dirty="0" smtClean="0">
-                          <a:ln>
-                            <a:noFill/>
-                          </a:ln>
-                          <a:solidFill>
-                            <a:srgbClr val="000000"/>
-                          </a:solidFill>
-                          <a:effectLst/>
-                          <a:latin typeface="微软雅黑" panose="020B0503020204020204" pitchFamily="34" charset="-122"/>
-                          <a:ea typeface="微软雅黑" panose="020B0503020204020204" pitchFamily="34" charset="-122"/>
-                          <a:cs typeface="Times New Roman" panose="02020603050405020304" pitchFamily="18" charset="0"/>
-                        </a:rPr>
-                        <a:t>java</a:t>
-                      </a:r>
-                      <a:r>
-                        <a:rPr kumimoji="0" lang="zh-CN" altLang="en-US" sz="1200" b="0" i="0" u="none" strike="noStrike" cap="none" normalizeH="0" baseline="0" dirty="0" smtClean="0">
-                          <a:ln>
-                            <a:noFill/>
-                          </a:ln>
-                          <a:solidFill>
-                            <a:srgbClr val="000000"/>
-                          </a:solidFill>
-                          <a:effectLst/>
-                          <a:latin typeface="微软雅黑" panose="020B0503020204020204" pitchFamily="34" charset="-122"/>
-                          <a:ea typeface="微软雅黑" panose="020B0503020204020204" pitchFamily="34" charset="-122"/>
-                          <a:cs typeface="Times New Roman" panose="02020603050405020304" pitchFamily="18" charset="0"/>
-                        </a:rPr>
-                        <a:t>知识，基本数据结构（如集合）；了解</a:t>
-                      </a:r>
-                      <a:r>
-                        <a:rPr kumimoji="0" lang="en-US" altLang="zh-CN" sz="1200" b="0" i="0" u="none" strike="noStrike" cap="none" normalizeH="0" baseline="0" dirty="0" smtClean="0">
-                          <a:ln>
-                            <a:noFill/>
-                          </a:ln>
-                          <a:solidFill>
-                            <a:srgbClr val="000000"/>
-                          </a:solidFill>
-                          <a:effectLst/>
-                          <a:latin typeface="微软雅黑" panose="020B0503020204020204" pitchFamily="34" charset="-122"/>
-                          <a:ea typeface="微软雅黑" panose="020B0503020204020204" pitchFamily="34" charset="-122"/>
-                          <a:cs typeface="Times New Roman" panose="02020603050405020304" pitchFamily="18" charset="0"/>
-                        </a:rPr>
-                        <a:t>jvm</a:t>
-                      </a:r>
-                      <a:r>
-                        <a:rPr kumimoji="0" lang="zh-CN" altLang="en-US" sz="1200" b="0" i="0" u="none" strike="noStrike" cap="none" normalizeH="0" baseline="0" dirty="0" smtClean="0">
-                          <a:ln>
-                            <a:noFill/>
-                          </a:ln>
-                          <a:solidFill>
-                            <a:srgbClr val="000000"/>
-                          </a:solidFill>
-                          <a:effectLst/>
-                          <a:latin typeface="微软雅黑" panose="020B0503020204020204" pitchFamily="34" charset="-122"/>
-                          <a:ea typeface="微软雅黑" panose="020B0503020204020204" pitchFamily="34" charset="-122"/>
-                          <a:cs typeface="Times New Roman" panose="02020603050405020304" pitchFamily="18" charset="0"/>
-                        </a:rPr>
-                        <a:t>机制；</a:t>
-                      </a:r>
-                      <a:endParaRPr kumimoji="0" lang="zh-CN" altLang="en-US" sz="1200" b="0" i="0" u="none" strike="noStrike" cap="none" normalizeH="0" baseline="0" dirty="0" smtClean="0">
-                        <a:ln>
-                          <a:noFill/>
-                        </a:ln>
-                        <a:solidFill>
-                          <a:srgbClr val="000000"/>
-                        </a:solidFill>
-                        <a:effectLst/>
-                        <a:latin typeface="微软雅黑" panose="020B0503020204020204" pitchFamily="34" charset="-122"/>
-                        <a:ea typeface="微软雅黑" panose="020B0503020204020204" pitchFamily="34" charset="-122"/>
-                        <a:cs typeface="Times New Roman" panose="02020603050405020304" pitchFamily="18" charset="0"/>
-                      </a:endParaRPr>
-                    </a:p>
-                    <a:p>
-                      <a:pPr marL="0" marR="0" lvl="0" indent="0" algn="l" defTabSz="914400" rtl="0" eaLnBrk="0" fontAlgn="base" latinLnBrk="0" hangingPunct="0">
-                        <a:lnSpc>
-                          <a:spcPct val="120000"/>
-                        </a:lnSpc>
-                        <a:spcBef>
-                          <a:spcPct val="10000"/>
-                        </a:spcBef>
-                        <a:spcAft>
-                          <a:spcPct val="0"/>
-                        </a:spcAft>
-                        <a:buClr>
-                          <a:srgbClr val="3F6985"/>
-                        </a:buClr>
-                        <a:buSzTx/>
-                        <a:buFont typeface="Wingdings" panose="05000000000000000000" pitchFamily="2" charset="2"/>
-                        <a:buNone/>
-                      </a:pPr>
-                      <a:r>
-                        <a:rPr kumimoji="0" lang="zh-CN" altLang="en-US" sz="1200" b="0" i="0" u="none" strike="noStrike" cap="none" normalizeH="0" baseline="0" dirty="0" smtClean="0">
-                          <a:ln>
-                            <a:noFill/>
-                          </a:ln>
-                          <a:solidFill>
-                            <a:srgbClr val="000000"/>
-                          </a:solidFill>
-                          <a:effectLst/>
-                          <a:latin typeface="微软雅黑" panose="020B0503020204020204" pitchFamily="34" charset="-122"/>
-                          <a:ea typeface="微软雅黑" panose="020B0503020204020204" pitchFamily="34" charset="-122"/>
-                          <a:cs typeface="Times New Roman" panose="02020603050405020304" pitchFamily="18" charset="0"/>
-                        </a:rPr>
-                        <a:t>熟悉</a:t>
-                      </a:r>
-                      <a:r>
-                        <a:rPr kumimoji="0" lang="en-US" altLang="zh-CN" sz="1200" b="0" i="0" u="none" strike="noStrike" cap="none" normalizeH="0" baseline="0" dirty="0" smtClean="0">
-                          <a:ln>
-                            <a:noFill/>
-                          </a:ln>
-                          <a:solidFill>
-                            <a:srgbClr val="000000"/>
-                          </a:solidFill>
-                          <a:effectLst/>
-                          <a:latin typeface="微软雅黑" panose="020B0503020204020204" pitchFamily="34" charset="-122"/>
-                          <a:ea typeface="微软雅黑" panose="020B0503020204020204" pitchFamily="34" charset="-122"/>
-                          <a:cs typeface="Times New Roman" panose="02020603050405020304" pitchFamily="18" charset="0"/>
-                        </a:rPr>
-                        <a:t>linux</a:t>
-                      </a:r>
-                      <a:r>
-                        <a:rPr kumimoji="0" lang="zh-CN" altLang="en-US" sz="1200" b="0" i="0" u="none" strike="noStrike" cap="none" normalizeH="0" baseline="0" dirty="0" smtClean="0">
-                          <a:ln>
-                            <a:noFill/>
-                          </a:ln>
-                          <a:solidFill>
-                            <a:srgbClr val="000000"/>
-                          </a:solidFill>
-                          <a:effectLst/>
-                          <a:latin typeface="微软雅黑" panose="020B0503020204020204" pitchFamily="34" charset="-122"/>
-                          <a:ea typeface="微软雅黑" panose="020B0503020204020204" pitchFamily="34" charset="-122"/>
-                          <a:cs typeface="Times New Roman" panose="02020603050405020304" pitchFamily="18" charset="0"/>
-                        </a:rPr>
-                        <a:t>系统及相关命令的使用；</a:t>
+                        <a:t>的格式返回数据格式，与前端进行交互；</a:t>
                       </a:r>
                       <a:endParaRPr kumimoji="0" lang="zh-CN" altLang="en-US" sz="1200" b="0" i="0" u="none" strike="noStrike" cap="none" normalizeH="0" baseline="0" dirty="0" smtClean="0">
                         <a:ln>
@@ -18415,7 +17790,7 @@
                         <a:buNone/>
                       </a:pPr>
                       <a:r>
-                        <a:rPr kumimoji="0" lang="zh-CN" altLang="en-US" sz="1000" b="0" i="0" u="none" strike="noStrike" cap="none" normalizeH="0" baseline="0" dirty="0" smtClean="0">
+                        <a:rPr kumimoji="0" lang="zh-CN" altLang="en-US" sz="1200" b="0" i="0" u="none" strike="noStrike" cap="none" normalizeH="0" baseline="0" dirty="0" smtClean="0">
                           <a:ln>
                             <a:noFill/>
                           </a:ln>
@@ -18429,7 +17804,7 @@
                         </a:rPr>
                         <a:t>1,、在部门要求严控代码质量进而推出单元测试覆盖率检查措施后，分享了单元测试框架中Mockito和MockMvc 的使用；</a:t>
                       </a:r>
-                      <a:endParaRPr kumimoji="0" lang="zh-CN" altLang="en-US" sz="1000" b="0" i="0" u="none" strike="noStrike" cap="none" normalizeH="0" baseline="0" dirty="0" smtClean="0">
+                      <a:endParaRPr kumimoji="0" lang="zh-CN" altLang="en-US" sz="1200" b="0" i="0" u="none" strike="noStrike" cap="none" normalizeH="0" baseline="0" dirty="0" smtClean="0">
                         <a:ln>
                           <a:noFill/>
                         </a:ln>
@@ -18461,7 +17836,7 @@
                         <a:buNone/>
                       </a:pPr>
                       <a:r>
-                        <a:rPr kumimoji="0" lang="zh-CN" altLang="en-US" sz="1000" b="0" i="0" u="none" strike="noStrike" cap="none" normalizeH="0" baseline="0" dirty="0" smtClean="0">
+                        <a:rPr kumimoji="0" lang="zh-CN" altLang="en-US" sz="1200" b="0" i="0" u="none" strike="noStrike" cap="none" normalizeH="0" baseline="0" dirty="0" smtClean="0">
                           <a:ln>
                             <a:noFill/>
                           </a:ln>
@@ -18475,7 +17850,7 @@
                         </a:rPr>
                         <a:t>2、针对每个服务的接口编写对应的单元测试，保证代码的质量；</a:t>
                       </a:r>
-                      <a:endParaRPr kumimoji="0" lang="zh-CN" altLang="en-US" sz="1000" b="0" i="0" u="none" strike="noStrike" cap="none" normalizeH="0" baseline="0" dirty="0" smtClean="0">
+                      <a:endParaRPr kumimoji="0" lang="zh-CN" altLang="en-US" sz="1200" b="0" i="0" u="none" strike="noStrike" cap="none" normalizeH="0" baseline="0" dirty="0" smtClean="0">
                         <a:ln>
                           <a:noFill/>
                         </a:ln>
@@ -19014,7 +18389,7 @@
                           <a:ea typeface="微软雅黑" panose="020B0503020204020204" pitchFamily="34" charset="-122"/>
                           <a:cs typeface="Times New Roman" panose="02020603050405020304" pitchFamily="18" charset="0"/>
                         </a:rPr>
-                        <a:t>掌握</a:t>
+                        <a:t>独立完成我的学习组件相关的业务开发及报表统计同步服务及考试模块相关开发，针对我的学习中的查询需求，自定义实现</a:t>
                       </a:r>
                       <a:r>
                         <a:rPr kumimoji="0" lang="en-US" altLang="zh-CN" sz="1200" b="0" i="0" u="none" strike="noStrike" cap="none" normalizeH="0" baseline="0" dirty="0" smtClean="0">
@@ -19029,7 +18404,7 @@
                           <a:ea typeface="微软雅黑" panose="020B0503020204020204" pitchFamily="34" charset="-122"/>
                           <a:cs typeface="Times New Roman" panose="02020603050405020304" pitchFamily="18" charset="0"/>
                         </a:rPr>
-                        <a:t>spring mvc</a:t>
+                        <a:t>jpa</a:t>
                       </a:r>
                       <a:r>
                         <a:rPr kumimoji="0" lang="zh-CN" altLang="en-US" sz="1200" b="0" i="0" u="none" strike="noStrike" cap="none" normalizeH="0" baseline="0" dirty="0" smtClean="0">
@@ -19044,7 +18419,7 @@
                           <a:ea typeface="微软雅黑" panose="020B0503020204020204" pitchFamily="34" charset="-122"/>
                           <a:cs typeface="Times New Roman" panose="02020603050405020304" pitchFamily="18" charset="0"/>
                         </a:rPr>
-                        <a:t>开发流程及使用；</a:t>
+                        <a:t>的实现，可以根据对象中的字段灵活查询；</a:t>
                       </a:r>
                       <a:endParaRPr kumimoji="0" lang="zh-CN" altLang="en-US" sz="1200" b="0" i="0" u="none" strike="noStrike" cap="none" normalizeH="0" baseline="0" dirty="0" smtClean="0">
                         <a:ln>
@@ -19368,126 +18743,6 @@
                         <a:buFont typeface="Wingdings" panose="05000000000000000000" pitchFamily="2" charset="2"/>
                         <a:buNone/>
                       </a:pPr>
-                      <a:r>
-                        <a:rPr kumimoji="0" lang="en-US" altLang="zh-CN" sz="1200" b="0" i="0" u="none" strike="noStrike" cap="none" normalizeH="0" baseline="0" dirty="0" smtClean="0">
-                          <a:ln>
-                            <a:noFill/>
-                          </a:ln>
-                          <a:solidFill>
-                            <a:srgbClr val="000000"/>
-                          </a:solidFill>
-                          <a:effectLst/>
-                          <a:latin typeface="微软雅黑" panose="020B0503020204020204" pitchFamily="34" charset="-122"/>
-                          <a:ea typeface="微软雅黑" panose="020B0503020204020204" pitchFamily="34" charset="-122"/>
-                          <a:cs typeface="Times New Roman" panose="02020603050405020304" pitchFamily="18" charset="0"/>
-                        </a:rPr>
-                        <a:t>4.</a:t>
-                      </a:r>
-                      <a:r>
-                        <a:rPr kumimoji="0" lang="zh-CN" altLang="en-US" sz="1200" b="0" i="0" u="none" strike="noStrike" cap="none" normalizeH="0" baseline="0" dirty="0" smtClean="0">
-                          <a:ln>
-                            <a:noFill/>
-                          </a:ln>
-                          <a:solidFill>
-                            <a:srgbClr val="000000"/>
-                          </a:solidFill>
-                          <a:effectLst/>
-                          <a:latin typeface="微软雅黑" panose="020B0503020204020204" pitchFamily="34" charset="-122"/>
-                          <a:ea typeface="微软雅黑" panose="020B0503020204020204" pitchFamily="34" charset="-122"/>
-                          <a:cs typeface="Times New Roman" panose="02020603050405020304" pitchFamily="18" charset="0"/>
-                        </a:rPr>
-                        <a:t>掌握</a:t>
-                      </a:r>
-                      <a:r>
-                        <a:rPr kumimoji="0" lang="en-US" altLang="zh-CN" sz="1200" b="0" i="0" u="none" strike="noStrike" cap="none" normalizeH="0" baseline="0" dirty="0" smtClean="0">
-                          <a:ln>
-                            <a:noFill/>
-                          </a:ln>
-                          <a:solidFill>
-                            <a:srgbClr val="000000"/>
-                          </a:solidFill>
-                          <a:effectLst/>
-                          <a:latin typeface="微软雅黑" panose="020B0503020204020204" pitchFamily="34" charset="-122"/>
-                          <a:ea typeface="微软雅黑" panose="020B0503020204020204" pitchFamily="34" charset="-122"/>
-                          <a:cs typeface="Times New Roman" panose="02020603050405020304" pitchFamily="18" charset="0"/>
-                        </a:rPr>
-                        <a:t>spring boot</a:t>
-                      </a:r>
-                      <a:r>
-                        <a:rPr kumimoji="0" lang="zh-CN" altLang="en-US" sz="1200" b="0" i="0" u="none" strike="noStrike" cap="none" normalizeH="0" baseline="0" dirty="0" smtClean="0">
-                          <a:ln>
-                            <a:noFill/>
-                          </a:ln>
-                          <a:solidFill>
-                            <a:srgbClr val="000000"/>
-                          </a:solidFill>
-                          <a:effectLst/>
-                          <a:latin typeface="微软雅黑" panose="020B0503020204020204" pitchFamily="34" charset="-122"/>
-                          <a:ea typeface="微软雅黑" panose="020B0503020204020204" pitchFamily="34" charset="-122"/>
-                          <a:cs typeface="Times New Roman" panose="02020603050405020304" pitchFamily="18" charset="0"/>
-                        </a:rPr>
-                        <a:t>核心运行原理，了解</a:t>
-                      </a:r>
-                      <a:r>
-                        <a:rPr kumimoji="0" lang="en-US" altLang="zh-CN" sz="1200" b="0" i="0" u="none" strike="noStrike" cap="none" normalizeH="0" baseline="0" dirty="0" smtClean="0">
-                          <a:ln>
-                            <a:noFill/>
-                          </a:ln>
-                          <a:solidFill>
-                            <a:srgbClr val="000000"/>
-                          </a:solidFill>
-                          <a:effectLst/>
-                          <a:latin typeface="微软雅黑" panose="020B0503020204020204" pitchFamily="34" charset="-122"/>
-                          <a:ea typeface="微软雅黑" panose="020B0503020204020204" pitchFamily="34" charset="-122"/>
-                          <a:cs typeface="Times New Roman" panose="02020603050405020304" pitchFamily="18" charset="0"/>
-                        </a:rPr>
-                        <a:t>spring data jpa</a:t>
-                      </a:r>
-                      <a:r>
-                        <a:rPr kumimoji="0" lang="zh-CN" altLang="en-US" sz="1200" b="0" i="0" u="none" strike="noStrike" cap="none" normalizeH="0" baseline="0" dirty="0" smtClean="0">
-                          <a:ln>
-                            <a:noFill/>
-                          </a:ln>
-                          <a:solidFill>
-                            <a:srgbClr val="000000"/>
-                          </a:solidFill>
-                          <a:effectLst/>
-                          <a:latin typeface="微软雅黑" panose="020B0503020204020204" pitchFamily="34" charset="-122"/>
-                          <a:ea typeface="微软雅黑" panose="020B0503020204020204" pitchFamily="34" charset="-122"/>
-                          <a:cs typeface="Times New Roman" panose="02020603050405020304" pitchFamily="18" charset="0"/>
-                        </a:rPr>
-                        <a:t>的实现机制并能按照自己的搜索需要自定义实现自己的</a:t>
-                      </a:r>
-                      <a:r>
-                        <a:rPr kumimoji="0" lang="en-US" altLang="zh-CN" sz="1200" b="0" i="0" u="none" strike="noStrike" cap="none" normalizeH="0" baseline="0" dirty="0" smtClean="0">
-                          <a:ln>
-                            <a:noFill/>
-                          </a:ln>
-                          <a:solidFill>
-                            <a:srgbClr val="000000"/>
-                          </a:solidFill>
-                          <a:effectLst/>
-                          <a:latin typeface="微软雅黑" panose="020B0503020204020204" pitchFamily="34" charset="-122"/>
-                          <a:ea typeface="微软雅黑" panose="020B0503020204020204" pitchFamily="34" charset="-122"/>
-                          <a:cs typeface="Times New Roman" panose="02020603050405020304" pitchFamily="18" charset="0"/>
-                        </a:rPr>
-                        <a:t>repository jpa</a:t>
-                      </a:r>
-                      <a:r>
-                        <a:rPr kumimoji="0" lang="zh-CN" altLang="en-US" sz="1200" b="0" i="0" u="none" strike="noStrike" cap="none" normalizeH="0" baseline="0" dirty="0" smtClean="0">
-                          <a:ln>
-                            <a:noFill/>
-                          </a:ln>
-                          <a:solidFill>
-                            <a:srgbClr val="000000"/>
-                          </a:solidFill>
-                          <a:effectLst/>
-                          <a:latin typeface="微软雅黑" panose="020B0503020204020204" pitchFamily="34" charset="-122"/>
-                          <a:ea typeface="微软雅黑" panose="020B0503020204020204" pitchFamily="34" charset="-122"/>
-                          <a:cs typeface="Times New Roman" panose="02020603050405020304" pitchFamily="18" charset="0"/>
-                        </a:rPr>
-                        <a:t>实现；</a:t>
-                      </a:r>
                       <a:endParaRPr kumimoji="0" lang="zh-CN" altLang="en-US" sz="1200" b="0" i="0" u="none" strike="noStrike" cap="none" normalizeH="0" baseline="0" dirty="0" smtClean="0">
                         <a:ln>
                           <a:noFill/>

--- a/工程院五部-P4晋升评审材料-严火荣291814-101教育平台/员工晋升陈述材料.pptx
+++ b/工程院五部-P4晋升评审材料-严火荣291814-101教育平台/员工晋升陈述材料.pptx
@@ -14410,8 +14410,8 @@
           </p:nvPr>
         </p:nvGraphicFramePr>
         <p:xfrm>
-          <a:off x="438150" y="784225"/>
-          <a:ext cx="9274175" cy="4890135"/>
+          <a:off x="438150" y="1043305"/>
+          <a:ext cx="9274175" cy="4689475"/>
         </p:xfrm>
         <a:graphic>
           <a:graphicData uri="http://schemas.openxmlformats.org/drawingml/2006/table">
@@ -14961,7 +14961,7 @@
                   </a:tcPr>
                 </a:tc>
               </a:tr>
-              <a:tr h="2413635">
+              <a:tr h="2249170">
                 <a:tc rowSpan="3">
                   <a:txBody>
                     <a:bodyPr/>
@@ -15295,7 +15295,7 @@
                           <a:ea typeface="微软雅黑" panose="020B0503020204020204" pitchFamily="34" charset="-122"/>
                           <a:cs typeface="Times New Roman" panose="02020603050405020304" pitchFamily="18" charset="0"/>
                         </a:rPr>
-                        <a:t>参与我的学习重构设计，旧的我的学习服务跟别的服务（如培训、公开课、考试等等）之间耦合度高，我的学习中一个接口里面会封装多个接口调用，每次请求我的学习的接口响应时间就异常的久（高达</a:t>
+                        <a:t>参与我的学习重构设计，旧的我的学习服务跟别的服务（如培训、公开课、考试等等）之间耦合度高，我的学习中一个接口里面会封装多个接口调用，每次请求我的学习的接口响应时间就异常的久，导致用户体验性特别差；通过采用</a:t>
                       </a:r>
                       <a:r>
                         <a:rPr kumimoji="0" lang="en-US" altLang="zh-CN" sz="1200" b="0" i="0" u="none" strike="noStrike" cap="none" normalizeH="0" baseline="0" dirty="0" smtClean="0">
@@ -15310,7 +15310,7 @@
                           <a:ea typeface="微软雅黑" panose="020B0503020204020204" pitchFamily="34" charset="-122"/>
                           <a:cs typeface="Times New Roman" panose="02020603050405020304" pitchFamily="18" charset="0"/>
                         </a:rPr>
-                        <a:t>7</a:t>
+                        <a:t>rabbit MQ</a:t>
                       </a:r>
                       <a:r>
                         <a:rPr kumimoji="0" lang="zh-CN" altLang="en-US" sz="1200" b="0" i="0" u="none" strike="noStrike" cap="none" normalizeH="0" baseline="0" dirty="0" smtClean="0">
@@ -15325,127 +15325,7 @@
                           <a:ea typeface="微软雅黑" panose="020B0503020204020204" pitchFamily="34" charset="-122"/>
                           <a:cs typeface="Times New Roman" panose="02020603050405020304" pitchFamily="18" charset="0"/>
                         </a:rPr>
-                        <a:t>、</a:t>
-                      </a:r>
-                      <a:r>
-                        <a:rPr kumimoji="0" lang="en-US" altLang="zh-CN" sz="1200" b="0" i="0" u="none" strike="noStrike" cap="none" normalizeH="0" baseline="0" dirty="0" smtClean="0">
-                          <a:ln>
-                            <a:noFill/>
-                          </a:ln>
-                          <a:solidFill>
-                            <a:srgbClr val="000000"/>
-                          </a:solidFill>
-                          <a:effectLst/>
-                          <a:latin typeface="微软雅黑" panose="020B0503020204020204" pitchFamily="34" charset="-122"/>
-                          <a:ea typeface="微软雅黑" panose="020B0503020204020204" pitchFamily="34" charset="-122"/>
-                          <a:cs typeface="Times New Roman" panose="02020603050405020304" pitchFamily="18" charset="0"/>
-                        </a:rPr>
-                        <a:t>8s</a:t>
-                      </a:r>
-                      <a:r>
-                        <a:rPr kumimoji="0" lang="zh-CN" altLang="en-US" sz="1200" b="0" i="0" u="none" strike="noStrike" cap="none" normalizeH="0" baseline="0" dirty="0" smtClean="0">
-                          <a:ln>
-                            <a:noFill/>
-                          </a:ln>
-                          <a:solidFill>
-                            <a:srgbClr val="000000"/>
-                          </a:solidFill>
-                          <a:effectLst/>
-                          <a:latin typeface="微软雅黑" panose="020B0503020204020204" pitchFamily="34" charset="-122"/>
-                          <a:ea typeface="微软雅黑" panose="020B0503020204020204" pitchFamily="34" charset="-122"/>
-                          <a:cs typeface="Times New Roman" panose="02020603050405020304" pitchFamily="18" charset="0"/>
-                        </a:rPr>
-                        <a:t>），导致体验性特别差；通过重构采用</a:t>
-                      </a:r>
-                      <a:r>
-                        <a:rPr kumimoji="0" lang="en-US" altLang="zh-CN" sz="1200" b="0" i="0" u="none" strike="noStrike" cap="none" normalizeH="0" baseline="0" dirty="0" smtClean="0">
-                          <a:ln>
-                            <a:noFill/>
-                          </a:ln>
-                          <a:solidFill>
-                            <a:srgbClr val="000000"/>
-                          </a:solidFill>
-                          <a:effectLst/>
-                          <a:latin typeface="微软雅黑" panose="020B0503020204020204" pitchFamily="34" charset="-122"/>
-                          <a:ea typeface="微软雅黑" panose="020B0503020204020204" pitchFamily="34" charset="-122"/>
-                          <a:cs typeface="Times New Roman" panose="02020603050405020304" pitchFamily="18" charset="0"/>
-                        </a:rPr>
-                        <a:t>rabbit MQ</a:t>
-                      </a:r>
-                      <a:r>
-                        <a:rPr kumimoji="0" lang="zh-CN" altLang="en-US" sz="1200" b="0" i="0" u="none" strike="noStrike" cap="none" normalizeH="0" baseline="0" dirty="0" smtClean="0">
-                          <a:ln>
-                            <a:noFill/>
-                          </a:ln>
-                          <a:solidFill>
-                            <a:srgbClr val="000000"/>
-                          </a:solidFill>
-                          <a:effectLst/>
-                          <a:latin typeface="微软雅黑" panose="020B0503020204020204" pitchFamily="34" charset="-122"/>
-                          <a:ea typeface="微软雅黑" panose="020B0503020204020204" pitchFamily="34" charset="-122"/>
-                          <a:cs typeface="Times New Roman" panose="02020603050405020304" pitchFamily="18" charset="0"/>
-                        </a:rPr>
-                        <a:t>消息机制，在我的学习采用通用的数据结构本地冗余一份用户学习数据，通过监听业务对象用户学习进度变化更新本地数据，直接查询本地数据库，一条</a:t>
-                      </a:r>
-                      <a:r>
-                        <a:rPr kumimoji="0" lang="en-US" altLang="zh-CN" sz="1200" b="0" i="0" u="none" strike="noStrike" cap="none" normalizeH="0" baseline="0" dirty="0" smtClean="0">
-                          <a:ln>
-                            <a:noFill/>
-                          </a:ln>
-                          <a:solidFill>
-                            <a:srgbClr val="000000"/>
-                          </a:solidFill>
-                          <a:effectLst/>
-                          <a:latin typeface="微软雅黑" panose="020B0503020204020204" pitchFamily="34" charset="-122"/>
-                          <a:ea typeface="微软雅黑" panose="020B0503020204020204" pitchFamily="34" charset="-122"/>
-                          <a:cs typeface="Times New Roman" panose="02020603050405020304" pitchFamily="18" charset="0"/>
-                        </a:rPr>
-                        <a:t>select</a:t>
-                      </a:r>
-                      <a:r>
-                        <a:rPr kumimoji="0" lang="zh-CN" altLang="en-US" sz="1200" b="0" i="0" u="none" strike="noStrike" cap="none" normalizeH="0" baseline="0" dirty="0" smtClean="0">
-                          <a:ln>
-                            <a:noFill/>
-                          </a:ln>
-                          <a:solidFill>
-                            <a:srgbClr val="000000"/>
-                          </a:solidFill>
-                          <a:effectLst/>
-                          <a:latin typeface="微软雅黑" panose="020B0503020204020204" pitchFamily="34" charset="-122"/>
-                          <a:ea typeface="微软雅黑" panose="020B0503020204020204" pitchFamily="34" charset="-122"/>
-                          <a:cs typeface="Times New Roman" panose="02020603050405020304" pitchFamily="18" charset="0"/>
-                        </a:rPr>
-                        <a:t>语句，性能直接提升到</a:t>
-                      </a:r>
-                      <a:r>
-                        <a:rPr kumimoji="0" lang="en-US" altLang="zh-CN" sz="1200" b="0" i="0" u="none" strike="noStrike" cap="none" normalizeH="0" baseline="0" dirty="0" smtClean="0">
-                          <a:ln>
-                            <a:noFill/>
-                          </a:ln>
-                          <a:solidFill>
-                            <a:srgbClr val="000000"/>
-                          </a:solidFill>
-                          <a:effectLst/>
-                          <a:latin typeface="微软雅黑" panose="020B0503020204020204" pitchFamily="34" charset="-122"/>
-                          <a:ea typeface="微软雅黑" panose="020B0503020204020204" pitchFamily="34" charset="-122"/>
-                          <a:cs typeface="Times New Roman" panose="02020603050405020304" pitchFamily="18" charset="0"/>
-                        </a:rPr>
-                        <a:t>100ms</a:t>
-                      </a:r>
-                      <a:r>
-                        <a:rPr kumimoji="0" lang="zh-CN" altLang="en-US" sz="1200" b="0" i="0" u="none" strike="noStrike" cap="none" normalizeH="0" baseline="0" dirty="0" smtClean="0">
-                          <a:ln>
-                            <a:noFill/>
-                          </a:ln>
-                          <a:solidFill>
-                            <a:srgbClr val="000000"/>
-                          </a:solidFill>
-                          <a:effectLst/>
-                          <a:latin typeface="微软雅黑" panose="020B0503020204020204" pitchFamily="34" charset="-122"/>
-                          <a:ea typeface="微软雅黑" panose="020B0503020204020204" pitchFamily="34" charset="-122"/>
-                          <a:cs typeface="Times New Roman" panose="02020603050405020304" pitchFamily="18" charset="0"/>
-                        </a:rPr>
-                        <a:t>左右；</a:t>
+                        <a:t>消息机制进行代码重构，在我的学习采用通用的数据结构本地冗余一份用户学习数据，通过在专门的消息网关服务监听各业务对象用户学习进度变化及状态变化进而更新本地数据，我的学习接口直接直接查询本地数据库；</a:t>
                       </a:r>
                       <a:endParaRPr kumimoji="0" lang="zh-CN" altLang="en-US" sz="1200" b="0" i="0" u="none" strike="noStrike" cap="none" normalizeH="0" baseline="0" dirty="0" smtClean="0">
                         <a:ln>
@@ -15704,7 +15584,7 @@
                   </a:tcPr>
                 </a:tc>
               </a:tr>
-              <a:tr h="1105535">
+              <a:tr h="906145">
                 <a:tc vMerge="1">
                   <a:tcPr horzOverflow="overflow">
                     <a:lnL w="12700" cap="flat" cmpd="sng" algn="ctr">
@@ -15973,7 +15853,7 @@
                         <a:t>1.</a:t>
                       </a:r>
                       <a:r>
-                        <a:rPr kumimoji="0" lang="zh-CN" altLang="zh-CN" sz="1200" b="0" i="0" u="none" strike="noStrike" cap="none" normalizeH="0" baseline="0" dirty="0" smtClean="0">
+                        <a:rPr kumimoji="0" lang="zh-CN" altLang="en-US" sz="1200" b="0" i="0" u="none" strike="noStrike" cap="none" normalizeH="0" baseline="0" dirty="0" smtClean="0">
                           <a:ln>
                             <a:noFill/>
                           </a:ln>
@@ -15985,7 +15865,7 @@
                           <a:ea typeface="微软雅黑" panose="020B0503020204020204" pitchFamily="34" charset="-122"/>
                           <a:cs typeface="Times New Roman" panose="02020603050405020304" pitchFamily="18" charset="0"/>
                         </a:rPr>
-                        <a:t>开发我的学习组件时，调试接口时，熟练应用</a:t>
+                        <a:t>重构我的学习后，一条</a:t>
                       </a:r>
                       <a:r>
                         <a:rPr kumimoji="0" lang="en-US" altLang="zh-CN" sz="1200" b="0" i="0" u="none" strike="noStrike" cap="none" normalizeH="0" baseline="0" dirty="0" smtClean="0">
@@ -16000,7 +15880,7 @@
                           <a:ea typeface="微软雅黑" panose="020B0503020204020204" pitchFamily="34" charset="-122"/>
                           <a:cs typeface="Times New Roman" panose="02020603050405020304" pitchFamily="18" charset="0"/>
                         </a:rPr>
-                        <a:t>idea </a:t>
+                        <a:t>select</a:t>
                       </a:r>
                       <a:r>
                         <a:rPr kumimoji="0" lang="zh-CN" altLang="en-US" sz="1200" b="0" i="0" u="none" strike="noStrike" cap="none" normalizeH="0" baseline="0" dirty="0" smtClean="0">
@@ -16015,7 +15895,112 @@
                           <a:ea typeface="微软雅黑" panose="020B0503020204020204" pitchFamily="34" charset="-122"/>
                           <a:cs typeface="Times New Roman" panose="02020603050405020304" pitchFamily="18" charset="0"/>
                         </a:rPr>
-                        <a:t>调试技巧，快速定位问题并解决，保证测试进度；</a:t>
+                        <a:t>查询语句，</a:t>
+                      </a:r>
+                      <a:r>
+                        <a:rPr kumimoji="0" lang="zh-CN" altLang="en-US" sz="1200" b="0" i="0" u="none" strike="noStrike" cap="none" normalizeH="0" baseline="0" dirty="0" smtClean="0">
+                          <a:ln>
+                            <a:noFill/>
+                          </a:ln>
+                          <a:solidFill>
+                            <a:srgbClr val="000000"/>
+                          </a:solidFill>
+                          <a:effectLst/>
+                          <a:latin typeface="微软雅黑" panose="020B0503020204020204" pitchFamily="34" charset="-122"/>
+                          <a:ea typeface="微软雅黑" panose="020B0503020204020204" pitchFamily="34" charset="-122"/>
+                          <a:cs typeface="Times New Roman" panose="02020603050405020304" pitchFamily="18" charset="0"/>
+                        </a:rPr>
+                        <a:t>接口直接由原来的</a:t>
+                      </a:r>
+                      <a:r>
+                        <a:rPr kumimoji="0" lang="en-US" altLang="zh-CN" sz="1200" b="0" i="0" u="none" strike="noStrike" cap="none" normalizeH="0" baseline="0" dirty="0" smtClean="0">
+                          <a:ln>
+                            <a:noFill/>
+                          </a:ln>
+                          <a:solidFill>
+                            <a:srgbClr val="000000"/>
+                          </a:solidFill>
+                          <a:effectLst/>
+                          <a:latin typeface="微软雅黑" panose="020B0503020204020204" pitchFamily="34" charset="-122"/>
+                          <a:ea typeface="微软雅黑" panose="020B0503020204020204" pitchFamily="34" charset="-122"/>
+                          <a:cs typeface="Times New Roman" panose="02020603050405020304" pitchFamily="18" charset="0"/>
+                        </a:rPr>
+                        <a:t>7</a:t>
+                      </a:r>
+                      <a:r>
+                        <a:rPr kumimoji="0" lang="zh-CN" altLang="en-US" sz="1200" b="0" i="0" u="none" strike="noStrike" cap="none" normalizeH="0" baseline="0" dirty="0" smtClean="0">
+                          <a:ln>
+                            <a:noFill/>
+                          </a:ln>
+                          <a:solidFill>
+                            <a:srgbClr val="000000"/>
+                          </a:solidFill>
+                          <a:effectLst/>
+                          <a:latin typeface="微软雅黑" panose="020B0503020204020204" pitchFamily="34" charset="-122"/>
+                          <a:ea typeface="微软雅黑" panose="020B0503020204020204" pitchFamily="34" charset="-122"/>
+                          <a:cs typeface="Times New Roman" panose="02020603050405020304" pitchFamily="18" charset="0"/>
+                        </a:rPr>
+                        <a:t>、</a:t>
+                      </a:r>
+                      <a:r>
+                        <a:rPr kumimoji="0" lang="en-US" altLang="zh-CN" sz="1200" b="0" i="0" u="none" strike="noStrike" cap="none" normalizeH="0" baseline="0" dirty="0" smtClean="0">
+                          <a:ln>
+                            <a:noFill/>
+                          </a:ln>
+                          <a:solidFill>
+                            <a:srgbClr val="000000"/>
+                          </a:solidFill>
+                          <a:effectLst/>
+                          <a:latin typeface="微软雅黑" panose="020B0503020204020204" pitchFamily="34" charset="-122"/>
+                          <a:ea typeface="微软雅黑" panose="020B0503020204020204" pitchFamily="34" charset="-122"/>
+                          <a:cs typeface="Times New Roman" panose="02020603050405020304" pitchFamily="18" charset="0"/>
+                        </a:rPr>
+                        <a:t>8s</a:t>
+                      </a:r>
+                      <a:r>
+                        <a:rPr kumimoji="0" lang="zh-CN" altLang="en-US" sz="1200" b="0" i="0" u="none" strike="noStrike" cap="none" normalizeH="0" baseline="0" dirty="0" smtClean="0">
+                          <a:ln>
+                            <a:noFill/>
+                          </a:ln>
+                          <a:solidFill>
+                            <a:srgbClr val="000000"/>
+                          </a:solidFill>
+                          <a:effectLst/>
+                          <a:latin typeface="微软雅黑" panose="020B0503020204020204" pitchFamily="34" charset="-122"/>
+                          <a:ea typeface="微软雅黑" panose="020B0503020204020204" pitchFamily="34" charset="-122"/>
+                          <a:cs typeface="Times New Roman" panose="02020603050405020304" pitchFamily="18" charset="0"/>
+                        </a:rPr>
+                        <a:t>直接提升到了</a:t>
+                      </a:r>
+                      <a:r>
+                        <a:rPr kumimoji="0" lang="en-US" altLang="zh-CN" sz="1200" b="0" i="0" u="none" strike="noStrike" cap="none" normalizeH="0" baseline="0" dirty="0" smtClean="0">
+                          <a:ln>
+                            <a:noFill/>
+                          </a:ln>
+                          <a:solidFill>
+                            <a:srgbClr val="000000"/>
+                          </a:solidFill>
+                          <a:effectLst/>
+                          <a:latin typeface="微软雅黑" panose="020B0503020204020204" pitchFamily="34" charset="-122"/>
+                          <a:ea typeface="微软雅黑" panose="020B0503020204020204" pitchFamily="34" charset="-122"/>
+                          <a:cs typeface="Times New Roman" panose="02020603050405020304" pitchFamily="18" charset="0"/>
+                        </a:rPr>
+                        <a:t>100ms</a:t>
+                      </a:r>
+                      <a:r>
+                        <a:rPr kumimoji="0" lang="zh-CN" altLang="en-US" sz="1200" b="0" i="0" u="none" strike="noStrike" cap="none" normalizeH="0" baseline="0" dirty="0" smtClean="0">
+                          <a:ln>
+                            <a:noFill/>
+                          </a:ln>
+                          <a:solidFill>
+                            <a:srgbClr val="000000"/>
+                          </a:solidFill>
+                          <a:effectLst/>
+                          <a:latin typeface="微软雅黑" panose="020B0503020204020204" pitchFamily="34" charset="-122"/>
+                          <a:ea typeface="微软雅黑" panose="020B0503020204020204" pitchFamily="34" charset="-122"/>
+                          <a:cs typeface="Times New Roman" panose="02020603050405020304" pitchFamily="18" charset="0"/>
+                        </a:rPr>
+                        <a:t>左右；</a:t>
                       </a:r>
                       <a:endParaRPr kumimoji="0" lang="zh-CN" altLang="en-US" sz="1200" b="0" i="0" u="none" strike="noStrike" cap="none" normalizeH="0" baseline="0" dirty="0" smtClean="0">
                         <a:ln>
@@ -16244,7 +16229,7 @@
                   </a:tcPr>
                 </a:tc>
               </a:tr>
-              <a:tr h="641350">
+              <a:tr h="735330">
                 <a:tc vMerge="1">
                   <a:tcPr horzOverflow="overflow">
                     <a:lnL w="12700" cap="flat" cmpd="sng" algn="ctr">
@@ -16510,7 +16495,54 @@
                           <a:ea typeface="微软雅黑" panose="020B0503020204020204" pitchFamily="34" charset="-122"/>
                           <a:cs typeface="Times New Roman" panose="02020603050405020304" pitchFamily="18" charset="0"/>
                         </a:rPr>
-                        <a:t>参与我的学习，报表统计的开发，使用</a:t>
+                        <a:t>我的学习组件，报表统计的开发，后端皆采用</a:t>
+                      </a:r>
+                      <a:r>
+                        <a:rPr lang="en-US" altLang="zh-CN" sz="1200" dirty="0" smtClean="0">
+                          <a:ln>
+                            <a:noFill/>
+                          </a:ln>
+                          <a:solidFill>
+                            <a:srgbClr val="000000"/>
+                          </a:solidFill>
+                          <a:effectLst/>
+                          <a:latin typeface="微软雅黑" panose="020B0503020204020204" pitchFamily="34" charset="-122"/>
+                          <a:ea typeface="微软雅黑" panose="020B0503020204020204" pitchFamily="34" charset="-122"/>
+                          <a:cs typeface="Times New Roman" panose="02020603050405020304" pitchFamily="18" charset="0"/>
+                          <a:sym typeface="+mn-ea"/>
+                        </a:rPr>
+                        <a:t>spring boot</a:t>
+                      </a:r>
+                      <a:r>
+                        <a:rPr lang="zh-CN" altLang="en-US" sz="1200" dirty="0" smtClean="0">
+                          <a:ln>
+                            <a:noFill/>
+                          </a:ln>
+                          <a:solidFill>
+                            <a:srgbClr val="000000"/>
+                          </a:solidFill>
+                          <a:effectLst/>
+                          <a:latin typeface="微软雅黑" panose="020B0503020204020204" pitchFamily="34" charset="-122"/>
+                          <a:ea typeface="微软雅黑" panose="020B0503020204020204" pitchFamily="34" charset="-122"/>
+                          <a:cs typeface="Times New Roman" panose="02020603050405020304" pitchFamily="18" charset="0"/>
+                          <a:sym typeface="+mn-ea"/>
+                        </a:rPr>
+                        <a:t>框架</a:t>
+                      </a:r>
+                      <a:r>
+                        <a:rPr kumimoji="0" lang="zh-CN" altLang="en-US" sz="1200" b="0" i="0" u="none" strike="noStrike" cap="none" normalizeH="0" baseline="0" dirty="0" smtClean="0">
+                          <a:ln>
+                            <a:noFill/>
+                          </a:ln>
+                          <a:solidFill>
+                            <a:srgbClr val="000000"/>
+                          </a:solidFill>
+                          <a:effectLst/>
+                          <a:latin typeface="微软雅黑" panose="020B0503020204020204" pitchFamily="34" charset="-122"/>
+                          <a:ea typeface="微软雅黑" panose="020B0503020204020204" pitchFamily="34" charset="-122"/>
+                          <a:cs typeface="Times New Roman" panose="02020603050405020304" pitchFamily="18" charset="0"/>
+                        </a:rPr>
+                        <a:t>，使用</a:t>
                       </a:r>
                       <a:r>
                         <a:rPr kumimoji="0" lang="en-US" altLang="zh-CN" sz="1200" b="0" i="0" u="none" strike="noStrike" cap="none" normalizeH="0" baseline="0" dirty="0" smtClean="0">
@@ -16525,7 +16557,7 @@
                           <a:ea typeface="微软雅黑" panose="020B0503020204020204" pitchFamily="34" charset="-122"/>
                           <a:cs typeface="Times New Roman" panose="02020603050405020304" pitchFamily="18" charset="0"/>
                         </a:rPr>
-                        <a:t>spring boot </a:t>
+                        <a:t>spring data jpa</a:t>
                       </a:r>
                       <a:r>
                         <a:rPr kumimoji="0" lang="zh-CN" altLang="en-US" sz="1200" b="0" i="0" u="none" strike="noStrike" cap="none" normalizeH="0" baseline="0" dirty="0" smtClean="0">
@@ -16540,7 +16572,7 @@
                           <a:ea typeface="微软雅黑" panose="020B0503020204020204" pitchFamily="34" charset="-122"/>
                           <a:cs typeface="Times New Roman" panose="02020603050405020304" pitchFamily="18" charset="0"/>
                         </a:rPr>
-                        <a:t>作为后端框架，使用</a:t>
+                        <a:t>作为数据访问层；通过</a:t>
                       </a:r>
                       <a:r>
                         <a:rPr kumimoji="0" lang="en-US" altLang="zh-CN" sz="1200" b="0" i="0" u="none" strike="noStrike" cap="none" normalizeH="0" baseline="0" dirty="0" smtClean="0">
@@ -16555,7 +16587,7 @@
                           <a:ea typeface="微软雅黑" panose="020B0503020204020204" pitchFamily="34" charset="-122"/>
                           <a:cs typeface="Times New Roman" panose="02020603050405020304" pitchFamily="18" charset="0"/>
                         </a:rPr>
-                        <a:t>spring data jpa</a:t>
+                        <a:t>json</a:t>
                       </a:r>
                       <a:r>
                         <a:rPr kumimoji="0" lang="zh-CN" altLang="en-US" sz="1200" b="0" i="0" u="none" strike="noStrike" cap="none" normalizeH="0" baseline="0" dirty="0" smtClean="0">
@@ -16570,37 +16602,7 @@
                           <a:ea typeface="微软雅黑" panose="020B0503020204020204" pitchFamily="34" charset="-122"/>
                           <a:cs typeface="Times New Roman" panose="02020603050405020304" pitchFamily="18" charset="0"/>
                         </a:rPr>
-                        <a:t>作为数据访问层；通过</a:t>
-                      </a:r>
-                      <a:r>
-                        <a:rPr kumimoji="0" lang="en-US" altLang="zh-CN" sz="1200" b="0" i="0" u="none" strike="noStrike" cap="none" normalizeH="0" baseline="0" dirty="0" smtClean="0">
-                          <a:ln>
-                            <a:noFill/>
-                          </a:ln>
-                          <a:solidFill>
-                            <a:srgbClr val="000000"/>
-                          </a:solidFill>
-                          <a:effectLst/>
-                          <a:latin typeface="微软雅黑" panose="020B0503020204020204" pitchFamily="34" charset="-122"/>
-                          <a:ea typeface="微软雅黑" panose="020B0503020204020204" pitchFamily="34" charset="-122"/>
-                          <a:cs typeface="Times New Roman" panose="02020603050405020304" pitchFamily="18" charset="0"/>
-                        </a:rPr>
-                        <a:t>json</a:t>
-                      </a:r>
-                      <a:r>
-                        <a:rPr kumimoji="0" lang="zh-CN" altLang="en-US" sz="1200" b="0" i="0" u="none" strike="noStrike" cap="none" normalizeH="0" baseline="0" dirty="0" smtClean="0">
-                          <a:ln>
-                            <a:noFill/>
-                          </a:ln>
-                          <a:solidFill>
-                            <a:srgbClr val="000000"/>
-                          </a:solidFill>
-                          <a:effectLst/>
-                          <a:latin typeface="微软雅黑" panose="020B0503020204020204" pitchFamily="34" charset="-122"/>
-                          <a:ea typeface="微软雅黑" panose="020B0503020204020204" pitchFamily="34" charset="-122"/>
-                          <a:cs typeface="Times New Roman" panose="02020603050405020304" pitchFamily="18" charset="0"/>
-                        </a:rPr>
-                        <a:t>的格式返回数据格式，与前端进行交互；</a:t>
+                        <a:t>的格式返回数据格式，与前端进行交互；在参与自主学习模块开发中采用递归的方式获取知识点树状结构；</a:t>
                       </a:r>
                       <a:endParaRPr kumimoji="0" lang="zh-CN" altLang="en-US" sz="1200" b="0" i="0" u="none" strike="noStrike" cap="none" normalizeH="0" baseline="0" dirty="0" smtClean="0">
                         <a:ln>

--- a/工程院五部-P4晋升评审材料-严火荣291814-101教育平台/员工晋升陈述材料.pptx
+++ b/工程院五部-P4晋升评审材料-严火荣291814-101教育平台/员工晋升陈述材料.pptx
@@ -14410,8 +14410,8 @@
           </p:nvPr>
         </p:nvGraphicFramePr>
         <p:xfrm>
-          <a:off x="438150" y="1043305"/>
-          <a:ext cx="9274175" cy="4689475"/>
+          <a:off x="438150" y="1047115"/>
+          <a:ext cx="9274175" cy="5085715"/>
         </p:xfrm>
         <a:graphic>
           <a:graphicData uri="http://schemas.openxmlformats.org/drawingml/2006/table">
@@ -14424,7 +14424,7 @@
                 <a:gridCol w="5551805"/>
                 <a:gridCol w="819150"/>
               </a:tblGrid>
-              <a:tr h="729615">
+              <a:tr h="596900">
                 <a:tc gridSpan="2">
                   <a:txBody>
                     <a:bodyPr/>
@@ -14961,7 +14961,7 @@
                   </a:tcPr>
                 </a:tc>
               </a:tr>
-              <a:tr h="2249170">
+              <a:tr h="2231390">
                 <a:tc rowSpan="3">
                   <a:txBody>
                     <a:bodyPr/>
@@ -15326,6 +15326,118 @@
                           <a:cs typeface="Times New Roman" panose="02020603050405020304" pitchFamily="18" charset="0"/>
                         </a:rPr>
                         <a:t>消息机制进行代码重构，在我的学习采用通用的数据结构本地冗余一份用户学习数据，通过在专门的消息网关服务监听各业务对象用户学习进度变化及状态变化进而更新本地数据，我的学习接口直接直接查询本地数据库；</a:t>
+                      </a:r>
+                      <a:r>
+                        <a:rPr lang="zh-CN" altLang="en-US" sz="1200" dirty="0" smtClean="0">
+                          <a:ln>
+                            <a:noFill/>
+                          </a:ln>
+                          <a:solidFill>
+                            <a:srgbClr val="000000"/>
+                          </a:solidFill>
+                          <a:effectLst/>
+                          <a:latin typeface="微软雅黑" panose="020B0503020204020204" pitchFamily="34" charset="-122"/>
+                          <a:ea typeface="微软雅黑" panose="020B0503020204020204" pitchFamily="34" charset="-122"/>
+                          <a:cs typeface="Times New Roman" panose="02020603050405020304" pitchFamily="18" charset="0"/>
+                          <a:sym typeface="+mn-ea"/>
+                        </a:rPr>
+                        <a:t>接口性能由原来的</a:t>
+                      </a:r>
+                      <a:r>
+                        <a:rPr lang="en-US" altLang="zh-CN" sz="1200" dirty="0" smtClean="0">
+                          <a:ln>
+                            <a:noFill/>
+                          </a:ln>
+                          <a:solidFill>
+                            <a:srgbClr val="000000"/>
+                          </a:solidFill>
+                          <a:effectLst/>
+                          <a:latin typeface="微软雅黑" panose="020B0503020204020204" pitchFamily="34" charset="-122"/>
+                          <a:ea typeface="微软雅黑" panose="020B0503020204020204" pitchFamily="34" charset="-122"/>
+                          <a:cs typeface="Times New Roman" panose="02020603050405020304" pitchFamily="18" charset="0"/>
+                          <a:sym typeface="+mn-ea"/>
+                        </a:rPr>
+                        <a:t>7</a:t>
+                      </a:r>
+                      <a:r>
+                        <a:rPr lang="zh-CN" altLang="en-US" sz="1200" dirty="0" smtClean="0">
+                          <a:ln>
+                            <a:noFill/>
+                          </a:ln>
+                          <a:solidFill>
+                            <a:srgbClr val="000000"/>
+                          </a:solidFill>
+                          <a:effectLst/>
+                          <a:latin typeface="微软雅黑" panose="020B0503020204020204" pitchFamily="34" charset="-122"/>
+                          <a:ea typeface="微软雅黑" panose="020B0503020204020204" pitchFamily="34" charset="-122"/>
+                          <a:cs typeface="Times New Roman" panose="02020603050405020304" pitchFamily="18" charset="0"/>
+                          <a:sym typeface="+mn-ea"/>
+                        </a:rPr>
+                        <a:t>、</a:t>
+                      </a:r>
+                      <a:r>
+                        <a:rPr lang="en-US" altLang="zh-CN" sz="1200" dirty="0" smtClean="0">
+                          <a:ln>
+                            <a:noFill/>
+                          </a:ln>
+                          <a:solidFill>
+                            <a:srgbClr val="000000"/>
+                          </a:solidFill>
+                          <a:effectLst/>
+                          <a:latin typeface="微软雅黑" panose="020B0503020204020204" pitchFamily="34" charset="-122"/>
+                          <a:ea typeface="微软雅黑" panose="020B0503020204020204" pitchFamily="34" charset="-122"/>
+                          <a:cs typeface="Times New Roman" panose="02020603050405020304" pitchFamily="18" charset="0"/>
+                          <a:sym typeface="+mn-ea"/>
+                        </a:rPr>
+                        <a:t>8s</a:t>
+                      </a:r>
+                      <a:r>
+                        <a:rPr lang="zh-CN" altLang="en-US" sz="1200" dirty="0" smtClean="0">
+                          <a:ln>
+                            <a:noFill/>
+                          </a:ln>
+                          <a:solidFill>
+                            <a:srgbClr val="000000"/>
+                          </a:solidFill>
+                          <a:effectLst/>
+                          <a:latin typeface="微软雅黑" panose="020B0503020204020204" pitchFamily="34" charset="-122"/>
+                          <a:ea typeface="微软雅黑" panose="020B0503020204020204" pitchFamily="34" charset="-122"/>
+                          <a:cs typeface="Times New Roman" panose="02020603050405020304" pitchFamily="18" charset="0"/>
+                          <a:sym typeface="+mn-ea"/>
+                        </a:rPr>
+                        <a:t>直接提升到了</a:t>
+                      </a:r>
+                      <a:r>
+                        <a:rPr lang="en-US" altLang="zh-CN" sz="1200" dirty="0" smtClean="0">
+                          <a:ln>
+                            <a:noFill/>
+                          </a:ln>
+                          <a:solidFill>
+                            <a:srgbClr val="000000"/>
+                          </a:solidFill>
+                          <a:effectLst/>
+                          <a:latin typeface="微软雅黑" panose="020B0503020204020204" pitchFamily="34" charset="-122"/>
+                          <a:ea typeface="微软雅黑" panose="020B0503020204020204" pitchFamily="34" charset="-122"/>
+                          <a:cs typeface="Times New Roman" panose="02020603050405020304" pitchFamily="18" charset="0"/>
+                          <a:sym typeface="+mn-ea"/>
+                        </a:rPr>
+                        <a:t>100ms</a:t>
+                      </a:r>
+                      <a:r>
+                        <a:rPr lang="zh-CN" altLang="en-US" sz="1200" dirty="0" smtClean="0">
+                          <a:ln>
+                            <a:noFill/>
+                          </a:ln>
+                          <a:solidFill>
+                            <a:srgbClr val="000000"/>
+                          </a:solidFill>
+                          <a:effectLst/>
+                          <a:latin typeface="微软雅黑" panose="020B0503020204020204" pitchFamily="34" charset="-122"/>
+                          <a:ea typeface="微软雅黑" panose="020B0503020204020204" pitchFamily="34" charset="-122"/>
+                          <a:cs typeface="Times New Roman" panose="02020603050405020304" pitchFamily="18" charset="0"/>
+                          <a:sym typeface="+mn-ea"/>
+                        </a:rPr>
+                        <a:t>左右；</a:t>
                       </a:r>
                       <a:endParaRPr kumimoji="0" lang="zh-CN" altLang="en-US" sz="1200" b="0" i="0" u="none" strike="noStrike" cap="none" normalizeH="0" baseline="0" dirty="0" smtClean="0">
                         <a:ln>
@@ -15584,7 +15696,7 @@
                   </a:tcPr>
                 </a:tc>
               </a:tr>
-              <a:tr h="906145">
+              <a:tr h="1413510">
                 <a:tc vMerge="1">
                   <a:tcPr horzOverflow="overflow">
                     <a:lnL w="12700" cap="flat" cmpd="sng" algn="ctr">
@@ -15853,7 +15965,7 @@
                         <a:t>1.</a:t>
                       </a:r>
                       <a:r>
-                        <a:rPr kumimoji="0" lang="zh-CN" altLang="en-US" sz="1200" b="0" i="0" u="none" strike="noStrike" cap="none" normalizeH="0" baseline="0" dirty="0" smtClean="0">
+                        <a:rPr sz="1200" dirty="0" smtClean="0">
                           <a:ln>
                             <a:noFill/>
                           </a:ln>
@@ -15864,143 +15976,9 @@
                           <a:latin typeface="微软雅黑" panose="020B0503020204020204" pitchFamily="34" charset="-122"/>
                           <a:ea typeface="微软雅黑" panose="020B0503020204020204" pitchFamily="34" charset="-122"/>
                           <a:cs typeface="Times New Roman" panose="02020603050405020304" pitchFamily="18" charset="0"/>
-                        </a:rPr>
-                        <a:t>重构我的学习后，一条</a:t>
-                      </a:r>
-                      <a:r>
-                        <a:rPr kumimoji="0" lang="en-US" altLang="zh-CN" sz="1200" b="0" i="0" u="none" strike="noStrike" cap="none" normalizeH="0" baseline="0" dirty="0" smtClean="0">
-                          <a:ln>
-                            <a:noFill/>
-                          </a:ln>
-                          <a:solidFill>
-                            <a:srgbClr val="000000"/>
-                          </a:solidFill>
-                          <a:effectLst/>
-                          <a:latin typeface="微软雅黑" panose="020B0503020204020204" pitchFamily="34" charset="-122"/>
-                          <a:ea typeface="微软雅黑" panose="020B0503020204020204" pitchFamily="34" charset="-122"/>
-                          <a:cs typeface="Times New Roman" panose="02020603050405020304" pitchFamily="18" charset="0"/>
-                        </a:rPr>
-                        <a:t>select</a:t>
-                      </a:r>
-                      <a:r>
-                        <a:rPr kumimoji="0" lang="zh-CN" altLang="en-US" sz="1200" b="0" i="0" u="none" strike="noStrike" cap="none" normalizeH="0" baseline="0" dirty="0" smtClean="0">
-                          <a:ln>
-                            <a:noFill/>
-                          </a:ln>
-                          <a:solidFill>
-                            <a:srgbClr val="000000"/>
-                          </a:solidFill>
-                          <a:effectLst/>
-                          <a:latin typeface="微软雅黑" panose="020B0503020204020204" pitchFamily="34" charset="-122"/>
-                          <a:ea typeface="微软雅黑" panose="020B0503020204020204" pitchFamily="34" charset="-122"/>
-                          <a:cs typeface="Times New Roman" panose="02020603050405020304" pitchFamily="18" charset="0"/>
-                        </a:rPr>
-                        <a:t>查询语句，</a:t>
-                      </a:r>
-                      <a:r>
-                        <a:rPr kumimoji="0" lang="zh-CN" altLang="en-US" sz="1200" b="0" i="0" u="none" strike="noStrike" cap="none" normalizeH="0" baseline="0" dirty="0" smtClean="0">
-                          <a:ln>
-                            <a:noFill/>
-                          </a:ln>
-                          <a:solidFill>
-                            <a:srgbClr val="000000"/>
-                          </a:solidFill>
-                          <a:effectLst/>
-                          <a:latin typeface="微软雅黑" panose="020B0503020204020204" pitchFamily="34" charset="-122"/>
-                          <a:ea typeface="微软雅黑" panose="020B0503020204020204" pitchFamily="34" charset="-122"/>
-                          <a:cs typeface="Times New Roman" panose="02020603050405020304" pitchFamily="18" charset="0"/>
-                        </a:rPr>
-                        <a:t>接口直接由原来的</a:t>
-                      </a:r>
-                      <a:r>
-                        <a:rPr kumimoji="0" lang="en-US" altLang="zh-CN" sz="1200" b="0" i="0" u="none" strike="noStrike" cap="none" normalizeH="0" baseline="0" dirty="0" smtClean="0">
-                          <a:ln>
-                            <a:noFill/>
-                          </a:ln>
-                          <a:solidFill>
-                            <a:srgbClr val="000000"/>
-                          </a:solidFill>
-                          <a:effectLst/>
-                          <a:latin typeface="微软雅黑" panose="020B0503020204020204" pitchFamily="34" charset="-122"/>
-                          <a:ea typeface="微软雅黑" panose="020B0503020204020204" pitchFamily="34" charset="-122"/>
-                          <a:cs typeface="Times New Roman" panose="02020603050405020304" pitchFamily="18" charset="0"/>
-                        </a:rPr>
-                        <a:t>7</a:t>
-                      </a:r>
-                      <a:r>
-                        <a:rPr kumimoji="0" lang="zh-CN" altLang="en-US" sz="1200" b="0" i="0" u="none" strike="noStrike" cap="none" normalizeH="0" baseline="0" dirty="0" smtClean="0">
-                          <a:ln>
-                            <a:noFill/>
-                          </a:ln>
-                          <a:solidFill>
-                            <a:srgbClr val="000000"/>
-                          </a:solidFill>
-                          <a:effectLst/>
-                          <a:latin typeface="微软雅黑" panose="020B0503020204020204" pitchFamily="34" charset="-122"/>
-                          <a:ea typeface="微软雅黑" panose="020B0503020204020204" pitchFamily="34" charset="-122"/>
-                          <a:cs typeface="Times New Roman" panose="02020603050405020304" pitchFamily="18" charset="0"/>
-                        </a:rPr>
-                        <a:t>、</a:t>
-                      </a:r>
-                      <a:r>
-                        <a:rPr kumimoji="0" lang="en-US" altLang="zh-CN" sz="1200" b="0" i="0" u="none" strike="noStrike" cap="none" normalizeH="0" baseline="0" dirty="0" smtClean="0">
-                          <a:ln>
-                            <a:noFill/>
-                          </a:ln>
-                          <a:solidFill>
-                            <a:srgbClr val="000000"/>
-                          </a:solidFill>
-                          <a:effectLst/>
-                          <a:latin typeface="微软雅黑" panose="020B0503020204020204" pitchFamily="34" charset="-122"/>
-                          <a:ea typeface="微软雅黑" panose="020B0503020204020204" pitchFamily="34" charset="-122"/>
-                          <a:cs typeface="Times New Roman" panose="02020603050405020304" pitchFamily="18" charset="0"/>
-                        </a:rPr>
-                        <a:t>8s</a:t>
-                      </a:r>
-                      <a:r>
-                        <a:rPr kumimoji="0" lang="zh-CN" altLang="en-US" sz="1200" b="0" i="0" u="none" strike="noStrike" cap="none" normalizeH="0" baseline="0" dirty="0" smtClean="0">
-                          <a:ln>
-                            <a:noFill/>
-                          </a:ln>
-                          <a:solidFill>
-                            <a:srgbClr val="000000"/>
-                          </a:solidFill>
-                          <a:effectLst/>
-                          <a:latin typeface="微软雅黑" panose="020B0503020204020204" pitchFamily="34" charset="-122"/>
-                          <a:ea typeface="微软雅黑" panose="020B0503020204020204" pitchFamily="34" charset="-122"/>
-                          <a:cs typeface="Times New Roman" panose="02020603050405020304" pitchFamily="18" charset="0"/>
-                        </a:rPr>
-                        <a:t>直接提升到了</a:t>
-                      </a:r>
-                      <a:r>
-                        <a:rPr kumimoji="0" lang="en-US" altLang="zh-CN" sz="1200" b="0" i="0" u="none" strike="noStrike" cap="none" normalizeH="0" baseline="0" dirty="0" smtClean="0">
-                          <a:ln>
-                            <a:noFill/>
-                          </a:ln>
-                          <a:solidFill>
-                            <a:srgbClr val="000000"/>
-                          </a:solidFill>
-                          <a:effectLst/>
-                          <a:latin typeface="微软雅黑" panose="020B0503020204020204" pitchFamily="34" charset="-122"/>
-                          <a:ea typeface="微软雅黑" panose="020B0503020204020204" pitchFamily="34" charset="-122"/>
-                          <a:cs typeface="Times New Roman" panose="02020603050405020304" pitchFamily="18" charset="0"/>
-                        </a:rPr>
-                        <a:t>100ms</a:t>
-                      </a:r>
-                      <a:r>
-                        <a:rPr kumimoji="0" lang="zh-CN" altLang="en-US" sz="1200" b="0" i="0" u="none" strike="noStrike" cap="none" normalizeH="0" baseline="0" dirty="0" smtClean="0">
-                          <a:ln>
-                            <a:noFill/>
-                          </a:ln>
-                          <a:solidFill>
-                            <a:srgbClr val="000000"/>
-                          </a:solidFill>
-                          <a:effectLst/>
-                          <a:latin typeface="微软雅黑" panose="020B0503020204020204" pitchFamily="34" charset="-122"/>
-                          <a:ea typeface="微软雅黑" panose="020B0503020204020204" pitchFamily="34" charset="-122"/>
-                          <a:cs typeface="Times New Roman" panose="02020603050405020304" pitchFamily="18" charset="0"/>
-                        </a:rPr>
-                        <a:t>左右；</a:t>
+                          <a:sym typeface="+mn-ea"/>
+                        </a:rPr>
+                        <a:t>线上学习课程或者培训后未在我的学习中展示,通过查看rabbit管理界面,发现消息队列阻塞,造成无法消费;由此消费消息的消息服务有问题,查看消息服务sdp日志,找到报错信息;根据报错信息在测试环境启动本地代码复现生产环境错误,经过idea的一步一步调试,找出问题并修复；</a:t>
                       </a:r>
                       <a:endParaRPr kumimoji="0" lang="zh-CN" altLang="en-US" sz="1200" b="0" i="0" u="none" strike="noStrike" cap="none" normalizeH="0" baseline="0" dirty="0" smtClean="0">
                         <a:ln>
@@ -16229,7 +16207,7 @@
                   </a:tcPr>
                 </a:tc>
               </a:tr>
-              <a:tr h="735330">
+              <a:tr h="738505">
                 <a:tc vMerge="1">
                   <a:tcPr horzOverflow="overflow">
                     <a:lnL w="12700" cap="flat" cmpd="sng" algn="ctr">
